--- a/docs/Temperature Presentation/Khuong/khuong3.pptx
+++ b/docs/Temperature Presentation/Khuong/khuong3.pptx
@@ -6,7 +6,7 @@
     <p:sldMasterId id="2147483733" r:id="rId2"/>
   </p:sldMasterIdLst>
   <p:notesMasterIdLst>
-    <p:notesMasterId r:id="rId60"/>
+    <p:notesMasterId r:id="rId61"/>
   </p:notesMasterIdLst>
   <p:sldIdLst>
     <p:sldId id="611" r:id="rId3"/>
@@ -66,6 +66,7 @@
     <p:sldId id="695" r:id="rId57"/>
     <p:sldId id="696" r:id="rId58"/>
     <p:sldId id="697" r:id="rId59"/>
+    <p:sldId id="705" r:id="rId60"/>
   </p:sldIdLst>
   <p:sldSz cx="9144000" cy="6858000" type="screen4x3"/>
   <p:notesSz cx="6858000" cy="9144000"/>
@@ -2788,7 +2789,516 @@
             <a:endParaRPr lang="en-US" dirty="0" smtClean="0"/>
           </a:p>
           <a:p>
-            <a:endParaRPr lang="en-US" dirty="0"/>
+            <a:pPr marL="0" marR="0" lvl="0" indent="0" algn="l" defTabSz="914400" rtl="0" eaLnBrk="1" fontAlgn="auto" latinLnBrk="0" hangingPunct="1">
+              <a:lnSpc>
+                <a:spcPct val="100000"/>
+              </a:lnSpc>
+              <a:spcBef>
+                <a:spcPts val="0"/>
+              </a:spcBef>
+              <a:spcAft>
+                <a:spcPts val="0"/>
+              </a:spcAft>
+              <a:buClrTx/>
+              <a:buSzTx/>
+              <a:buFontTx/>
+              <a:buNone/>
+              <a:tabLst/>
+              <a:defRPr/>
+            </a:pPr>
+            <a:r>
+              <a:rPr lang="en-US" dirty="0" smtClean="0"/>
+              <a:t>- </a:t>
+            </a:r>
+            <a:r>
+              <a:rPr lang="en-US" dirty="0" err="1" smtClean="0"/>
+              <a:t>Kiểm</a:t>
+            </a:r>
+            <a:r>
+              <a:rPr lang="en-US" baseline="0" dirty="0" smtClean="0"/>
+              <a:t> </a:t>
+            </a:r>
+            <a:r>
+              <a:rPr lang="en-US" baseline="0" dirty="0" err="1" smtClean="0"/>
+              <a:t>tra</a:t>
+            </a:r>
+            <a:r>
+              <a:rPr lang="en-US" baseline="0" dirty="0" smtClean="0"/>
+              <a:t> </a:t>
+            </a:r>
+            <a:r>
+              <a:rPr lang="en-US" baseline="0" dirty="0" err="1" smtClean="0"/>
+              <a:t>các</a:t>
+            </a:r>
+            <a:r>
+              <a:rPr lang="en-US" baseline="0" dirty="0" smtClean="0"/>
+              <a:t> </a:t>
+            </a:r>
+            <a:r>
+              <a:rPr lang="en-US" baseline="0" dirty="0" err="1" smtClean="0"/>
+              <a:t>thông</a:t>
+            </a:r>
+            <a:r>
+              <a:rPr lang="en-US" baseline="0" dirty="0" smtClean="0"/>
+              <a:t> </a:t>
+            </a:r>
+            <a:r>
+              <a:rPr lang="en-US" baseline="0" dirty="0" err="1" smtClean="0"/>
+              <a:t>báo</a:t>
+            </a:r>
+            <a:r>
+              <a:rPr lang="en-US" baseline="0" dirty="0" smtClean="0"/>
+              <a:t> </a:t>
+            </a:r>
+            <a:r>
+              <a:rPr lang="en-US" baseline="0" dirty="0" err="1" smtClean="0"/>
+              <a:t>của</a:t>
+            </a:r>
+            <a:r>
+              <a:rPr lang="en-US" baseline="0" dirty="0" smtClean="0"/>
+              <a:t> </a:t>
+            </a:r>
+            <a:r>
+              <a:rPr lang="en-US" baseline="0" dirty="0" err="1" smtClean="0"/>
+              <a:t>bệnh</a:t>
+            </a:r>
+            <a:r>
+              <a:rPr lang="en-US" baseline="0" dirty="0" smtClean="0"/>
+              <a:t> </a:t>
+            </a:r>
+            <a:r>
+              <a:rPr lang="en-US" baseline="0" dirty="0" err="1" smtClean="0"/>
+              <a:t>nhân</a:t>
+            </a:r>
+            <a:r>
+              <a:rPr lang="en-US" baseline="0" dirty="0" smtClean="0"/>
+              <a:t> </a:t>
+            </a:r>
+            <a:r>
+              <a:rPr lang="en-US" baseline="0" dirty="0" err="1" smtClean="0"/>
+              <a:t>từ</a:t>
+            </a:r>
+            <a:r>
+              <a:rPr lang="en-US" baseline="0" dirty="0" smtClean="0"/>
+              <a:t> </a:t>
+            </a:r>
+            <a:r>
+              <a:rPr lang="en-US" baseline="0" dirty="0" err="1" smtClean="0"/>
+              <a:t>hệ</a:t>
+            </a:r>
+            <a:r>
+              <a:rPr lang="en-US" baseline="0" dirty="0" smtClean="0"/>
+              <a:t> </a:t>
+            </a:r>
+            <a:r>
+              <a:rPr lang="en-US" baseline="0" dirty="0" err="1" smtClean="0"/>
+              <a:t>thống</a:t>
+            </a:r>
+            <a:endParaRPr lang="en-US" dirty="0" smtClean="0"/>
+          </a:p>
+          <a:p>
+            <a:pPr lvl="0" rtl="0">
+              <a:lnSpc>
+                <a:spcPct val="115000"/>
+              </a:lnSpc>
+              <a:spcBef>
+                <a:spcPts val="0"/>
+              </a:spcBef>
+              <a:buClr>
+                <a:schemeClr val="dk1"/>
+              </a:buClr>
+              <a:buSzPct val="100000"/>
+              <a:buFont typeface="Arial"/>
+              <a:buNone/>
+            </a:pPr>
+            <a:r>
+              <a:rPr lang="en-US" dirty="0" smtClean="0"/>
+              <a:t>- </a:t>
+            </a:r>
+            <a:r>
+              <a:rPr lang="en-US" dirty="0" err="1" smtClean="0"/>
+              <a:t>Lấy</a:t>
+            </a:r>
+            <a:r>
+              <a:rPr lang="en-US" dirty="0" smtClean="0"/>
+              <a:t> </a:t>
+            </a:r>
+            <a:r>
+              <a:rPr lang="en-US" dirty="0" err="1" smtClean="0"/>
+              <a:t>dữ</a:t>
+            </a:r>
+            <a:r>
+              <a:rPr lang="en-US" baseline="0" dirty="0" smtClean="0"/>
+              <a:t> </a:t>
+            </a:r>
+            <a:r>
+              <a:rPr lang="en-US" baseline="0" dirty="0" err="1" smtClean="0"/>
+              <a:t>liệu</a:t>
+            </a:r>
+            <a:r>
+              <a:rPr lang="en-US" baseline="0" dirty="0" smtClean="0"/>
+              <a:t> </a:t>
+            </a:r>
+            <a:r>
+              <a:rPr lang="en-US" baseline="0" dirty="0" err="1" smtClean="0"/>
+              <a:t>từ</a:t>
+            </a:r>
+            <a:r>
+              <a:rPr lang="en-US" baseline="0" dirty="0" smtClean="0"/>
+              <a:t> </a:t>
+            </a:r>
+            <a:r>
+              <a:rPr lang="en-US" baseline="0" dirty="0" err="1" smtClean="0"/>
+              <a:t>vòng</a:t>
+            </a:r>
+            <a:r>
+              <a:rPr lang="en-US" baseline="0" dirty="0" smtClean="0"/>
+              <a:t> </a:t>
+            </a:r>
+            <a:r>
+              <a:rPr lang="en-US" baseline="0" dirty="0" err="1" smtClean="0"/>
+              <a:t>đeo</a:t>
+            </a:r>
+            <a:r>
+              <a:rPr lang="en-US" baseline="0" dirty="0" smtClean="0"/>
+              <a:t> </a:t>
+            </a:r>
+            <a:r>
+              <a:rPr lang="en-US" baseline="0" dirty="0" err="1" smtClean="0"/>
+              <a:t>tay</a:t>
+            </a:r>
+            <a:endParaRPr lang="en-US" dirty="0" smtClean="0"/>
+          </a:p>
+          <a:p>
+            <a:pPr marL="171450" marR="0" lvl="0" indent="-171450" algn="l" defTabSz="914400" rtl="0" eaLnBrk="1" fontAlgn="auto" latinLnBrk="0" hangingPunct="1">
+              <a:lnSpc>
+                <a:spcPct val="100000"/>
+              </a:lnSpc>
+              <a:spcBef>
+                <a:spcPts val="0"/>
+              </a:spcBef>
+              <a:spcAft>
+                <a:spcPts val="0"/>
+              </a:spcAft>
+              <a:buClrTx/>
+              <a:buSzTx/>
+              <a:buFontTx/>
+              <a:buChar char="-"/>
+              <a:tabLst/>
+              <a:defRPr/>
+            </a:pPr>
+            <a:r>
+              <a:rPr lang="en-US" baseline="0" dirty="0" err="1" smtClean="0"/>
+              <a:t>Nhắc</a:t>
+            </a:r>
+            <a:r>
+              <a:rPr lang="en-US" baseline="0" dirty="0" smtClean="0"/>
+              <a:t> </a:t>
+            </a:r>
+            <a:r>
+              <a:rPr lang="en-US" baseline="0" dirty="0" err="1" smtClean="0"/>
+              <a:t>nhở</a:t>
+            </a:r>
+            <a:r>
+              <a:rPr lang="en-US" baseline="0" dirty="0" smtClean="0"/>
+              <a:t> </a:t>
+            </a:r>
+            <a:r>
+              <a:rPr lang="en-US" baseline="0" dirty="0" err="1" smtClean="0"/>
+              <a:t>bệnh</a:t>
+            </a:r>
+            <a:r>
+              <a:rPr lang="en-US" baseline="0" dirty="0" smtClean="0"/>
+              <a:t> </a:t>
+            </a:r>
+            <a:r>
+              <a:rPr lang="en-US" baseline="0" dirty="0" err="1" smtClean="0"/>
+              <a:t>nhân</a:t>
+            </a:r>
+            <a:r>
+              <a:rPr lang="en-US" baseline="0" dirty="0" smtClean="0"/>
+              <a:t> </a:t>
+            </a:r>
+            <a:r>
+              <a:rPr lang="en-US" baseline="0" dirty="0" err="1" smtClean="0"/>
+              <a:t>ăn</a:t>
+            </a:r>
+            <a:r>
+              <a:rPr lang="en-US" baseline="0" dirty="0" smtClean="0"/>
+              <a:t> </a:t>
+            </a:r>
+            <a:r>
+              <a:rPr lang="en-US" baseline="0" dirty="0" err="1" smtClean="0"/>
+              <a:t>uống</a:t>
+            </a:r>
+            <a:r>
+              <a:rPr lang="en-US" baseline="0" dirty="0" smtClean="0"/>
+              <a:t>, </a:t>
+            </a:r>
+            <a:r>
+              <a:rPr lang="en-US" baseline="0" dirty="0" err="1" smtClean="0"/>
+              <a:t>uống</a:t>
+            </a:r>
+            <a:r>
+              <a:rPr lang="en-US" baseline="0" dirty="0" smtClean="0"/>
+              <a:t> </a:t>
+            </a:r>
+            <a:r>
+              <a:rPr lang="en-US" baseline="0" dirty="0" err="1" smtClean="0"/>
+              <a:t>thuốc</a:t>
+            </a:r>
+            <a:r>
+              <a:rPr lang="en-US" baseline="0" dirty="0" smtClean="0"/>
+              <a:t> </a:t>
+            </a:r>
+            <a:r>
+              <a:rPr lang="en-US" baseline="0" dirty="0" err="1" smtClean="0"/>
+              <a:t>và</a:t>
+            </a:r>
+            <a:r>
+              <a:rPr lang="en-US" baseline="0" dirty="0" smtClean="0"/>
+              <a:t> </a:t>
+            </a:r>
+            <a:r>
+              <a:rPr lang="en-US" baseline="0" dirty="0" err="1" smtClean="0"/>
+              <a:t>tập</a:t>
+            </a:r>
+            <a:r>
+              <a:rPr lang="en-US" baseline="0" dirty="0" smtClean="0"/>
+              <a:t> </a:t>
+            </a:r>
+            <a:r>
+              <a:rPr lang="en-US" baseline="0" dirty="0" err="1" smtClean="0"/>
+              <a:t>luyện</a:t>
+            </a:r>
+            <a:r>
+              <a:rPr lang="en-US" baseline="0" dirty="0" smtClean="0"/>
+              <a:t> </a:t>
+            </a:r>
+            <a:r>
+              <a:rPr lang="en-US" baseline="0" dirty="0" err="1" smtClean="0"/>
+              <a:t>hàng</a:t>
+            </a:r>
+            <a:r>
+              <a:rPr lang="en-US" baseline="0" dirty="0" smtClean="0"/>
+              <a:t> </a:t>
+            </a:r>
+            <a:r>
+              <a:rPr lang="en-US" baseline="0" dirty="0" err="1" smtClean="0"/>
+              <a:t>ngày</a:t>
+            </a:r>
+            <a:r>
+              <a:rPr lang="en-US" baseline="0" dirty="0" smtClean="0"/>
+              <a:t>.</a:t>
+            </a:r>
+          </a:p>
+          <a:p>
+            <a:pPr lvl="0" rtl="0">
+              <a:lnSpc>
+                <a:spcPct val="115000"/>
+              </a:lnSpc>
+              <a:spcBef>
+                <a:spcPts val="0"/>
+              </a:spcBef>
+              <a:buClr>
+                <a:schemeClr val="dk1"/>
+              </a:buClr>
+              <a:buSzPct val="100000"/>
+              <a:buFont typeface="Arial"/>
+              <a:buNone/>
+            </a:pPr>
+            <a:endParaRPr lang="en-US" dirty="0" smtClean="0"/>
+          </a:p>
+          <a:p>
+            <a:pPr lvl="0" rtl="0">
+              <a:lnSpc>
+                <a:spcPct val="115000"/>
+              </a:lnSpc>
+              <a:spcBef>
+                <a:spcPts val="0"/>
+              </a:spcBef>
+              <a:buClr>
+                <a:schemeClr val="dk1"/>
+              </a:buClr>
+              <a:buSzPct val="100000"/>
+              <a:buFont typeface="Arial"/>
+              <a:buNone/>
+            </a:pPr>
+            <a:r>
+              <a:rPr lang="en-US" dirty="0" err="1" smtClean="0"/>
+              <a:t>Hàng</a:t>
+            </a:r>
+            <a:r>
+              <a:rPr lang="en-US" baseline="0" dirty="0" smtClean="0"/>
+              <a:t> </a:t>
+            </a:r>
+            <a:r>
+              <a:rPr lang="en-US" baseline="0" dirty="0" err="1" smtClean="0"/>
+              <a:t>ngày</a:t>
+            </a:r>
+            <a:r>
+              <a:rPr lang="en-US" baseline="0" dirty="0" smtClean="0"/>
+              <a:t> </a:t>
+            </a:r>
+            <a:r>
+              <a:rPr lang="en-US" baseline="0" dirty="0" err="1" smtClean="0"/>
+              <a:t>vào</a:t>
+            </a:r>
+            <a:r>
+              <a:rPr lang="en-US" baseline="0" dirty="0" smtClean="0"/>
+              <a:t> </a:t>
+            </a:r>
+            <a:r>
+              <a:rPr lang="en-US" baseline="0" dirty="0" err="1" smtClean="0"/>
+              <a:t>lúc</a:t>
+            </a:r>
+            <a:r>
+              <a:rPr lang="en-US" baseline="0" dirty="0" smtClean="0"/>
+              <a:t> 10h </a:t>
+            </a:r>
+            <a:r>
+              <a:rPr lang="en-US" baseline="0" dirty="0" err="1" smtClean="0"/>
+              <a:t>đêm</a:t>
+            </a:r>
+            <a:r>
+              <a:rPr lang="en-US" baseline="0" dirty="0" smtClean="0"/>
+              <a:t>, scheduler </a:t>
+            </a:r>
+            <a:r>
+              <a:rPr lang="en-US" baseline="0" dirty="0" err="1" smtClean="0"/>
+              <a:t>sẽ</a:t>
+            </a:r>
+            <a:r>
+              <a:rPr lang="en-US" baseline="0" dirty="0" smtClean="0"/>
+              <a:t> </a:t>
+            </a:r>
+            <a:r>
+              <a:rPr lang="en-US" baseline="0" dirty="0" err="1" smtClean="0"/>
+              <a:t>đồng</a:t>
+            </a:r>
+            <a:r>
+              <a:rPr lang="en-US" baseline="0" dirty="0" smtClean="0"/>
+              <a:t> </a:t>
+            </a:r>
+            <a:r>
+              <a:rPr lang="en-US" baseline="0" dirty="0" err="1" smtClean="0"/>
+              <a:t>bộ</a:t>
+            </a:r>
+            <a:r>
+              <a:rPr lang="en-US" baseline="0" dirty="0" smtClean="0"/>
+              <a:t> </a:t>
+            </a:r>
+            <a:r>
+              <a:rPr lang="en-US" baseline="0" dirty="0" err="1" smtClean="0"/>
+              <a:t>hóa</a:t>
+            </a:r>
+            <a:r>
+              <a:rPr lang="en-US" baseline="0" dirty="0" smtClean="0"/>
+              <a:t> </a:t>
+            </a:r>
+            <a:r>
+              <a:rPr lang="en-US" baseline="0" dirty="0" err="1" smtClean="0"/>
+              <a:t>dữ</a:t>
+            </a:r>
+            <a:r>
+              <a:rPr lang="en-US" baseline="0" dirty="0" smtClean="0"/>
+              <a:t> </a:t>
+            </a:r>
+            <a:r>
+              <a:rPr lang="en-US" baseline="0" dirty="0" err="1" smtClean="0"/>
+              <a:t>liệu</a:t>
+            </a:r>
+            <a:r>
+              <a:rPr lang="en-US" baseline="0" dirty="0" smtClean="0"/>
+              <a:t> </a:t>
+            </a:r>
+            <a:r>
+              <a:rPr lang="en-US" baseline="0" dirty="0" err="1" smtClean="0"/>
+              <a:t>luyện</a:t>
+            </a:r>
+            <a:r>
+              <a:rPr lang="en-US" baseline="0" dirty="0" smtClean="0"/>
+              <a:t> </a:t>
+            </a:r>
+            <a:r>
+              <a:rPr lang="en-US" baseline="0" dirty="0" err="1" smtClean="0"/>
+              <a:t>tập</a:t>
+            </a:r>
+            <a:r>
+              <a:rPr lang="en-US" baseline="0" dirty="0" smtClean="0"/>
+              <a:t> </a:t>
+            </a:r>
+            <a:r>
+              <a:rPr lang="en-US" baseline="0" dirty="0" err="1" smtClean="0"/>
+              <a:t>của</a:t>
+            </a:r>
+            <a:r>
+              <a:rPr lang="en-US" baseline="0" dirty="0" smtClean="0"/>
+              <a:t> </a:t>
+            </a:r>
+            <a:r>
+              <a:rPr lang="en-US" baseline="0" dirty="0" err="1" smtClean="0"/>
+              <a:t>bệnh</a:t>
+            </a:r>
+            <a:r>
+              <a:rPr lang="en-US" baseline="0" dirty="0" smtClean="0"/>
+              <a:t> </a:t>
+            </a:r>
+            <a:r>
+              <a:rPr lang="en-US" baseline="0" dirty="0" err="1" smtClean="0"/>
+              <a:t>nhân</a:t>
+            </a:r>
+            <a:r>
+              <a:rPr lang="en-US" baseline="0" dirty="0" smtClean="0"/>
+              <a:t> </a:t>
+            </a:r>
+            <a:r>
+              <a:rPr lang="en-US" baseline="0" dirty="0" err="1" smtClean="0"/>
+              <a:t>lên</a:t>
+            </a:r>
+            <a:r>
+              <a:rPr lang="en-US" baseline="0" dirty="0" smtClean="0"/>
+              <a:t> </a:t>
+            </a:r>
+            <a:r>
+              <a:rPr lang="en-US" baseline="0" dirty="0" err="1" smtClean="0"/>
+              <a:t>hệ</a:t>
+            </a:r>
+            <a:r>
+              <a:rPr lang="en-US" baseline="0" dirty="0" smtClean="0"/>
+              <a:t> </a:t>
+            </a:r>
+            <a:r>
+              <a:rPr lang="en-US" baseline="0" dirty="0" err="1" smtClean="0"/>
+              <a:t>thống</a:t>
+            </a:r>
+            <a:endParaRPr lang="en-US" dirty="0" smtClean="0"/>
+          </a:p>
+          <a:p>
+            <a:endParaRPr lang="en-US" dirty="0" smtClean="0"/>
+          </a:p>
+          <a:p>
+            <a:pPr marL="0" marR="0" lvl="0" indent="0" algn="l" defTabSz="914400" rtl="0" eaLnBrk="1" fontAlgn="auto" latinLnBrk="0" hangingPunct="1">
+              <a:lnSpc>
+                <a:spcPct val="100000"/>
+              </a:lnSpc>
+              <a:spcBef>
+                <a:spcPts val="0"/>
+              </a:spcBef>
+              <a:spcAft>
+                <a:spcPts val="0"/>
+              </a:spcAft>
+              <a:buClrTx/>
+              <a:buSzTx/>
+              <a:buFontTx/>
+              <a:buNone/>
+              <a:tabLst/>
+              <a:defRPr/>
+            </a:pPr>
+            <a:endParaRPr lang="en-US" dirty="0" smtClean="0"/>
+          </a:p>
+          <a:p>
+            <a:endParaRPr lang="en-US" dirty="0" smtClean="0"/>
           </a:p>
         </p:txBody>
       </p:sp>
@@ -6202,15 +6712,7 @@
             </a:r>
             <a:r>
               <a:rPr lang="en" baseline="0" dirty="0" smtClean="0"/>
-              <a:t> xin tiếp tục trình bày giải thuật </a:t>
-            </a:r>
-            <a:r>
-              <a:rPr lang="en" baseline="0" dirty="0" smtClean="0"/>
-              <a:t>xử lý </a:t>
-            </a:r>
-            <a:r>
-              <a:rPr lang="en" baseline="0" dirty="0" smtClean="0"/>
-              <a:t>đơn thuốc để chuẩn bị cho tác vụ nhắc nhở bệnh nhân dùng thuốc, thức ăn và luyện tập.</a:t>
+              <a:t> xin tiếp tục trình bày giải thuật xử lý đơn thuốc để chuẩn bị cho tác vụ nhắc nhở bệnh nhân dùng thuốc, thức ăn và luyện tập.</a:t>
             </a:r>
             <a:endParaRPr lang="en" dirty="0"/>
           </a:p>
@@ -9202,7 +9704,7 @@
               <a:buChar char="-"/>
             </a:pPr>
             <a:r>
-              <a:rPr lang="en"/>
+              <a:rPr lang="en" dirty="0"/>
               <a:t>Như vậy chúng tôi đã trình bày và demo các nghiệp vụ quan trọng nhất của đồ án mà chúng tôi thực hiện, bên cạnh đó chúng tôi cũng đã xây dựng được một số chức năng khác, tuy nhiên do giới hạn thời gian nên chúng tôi xin được phép không trình bày ngay bây giờ.</a:t>
             </a:r>
           </a:p>
@@ -9578,12 +10080,12 @@
 </p:notes>
 </file>
 
-<file path=ppt/notesSlides/notesSlide6.xml><?xml version="1.0" encoding="utf-8"?>
-<p:notes xmlns:a="http://schemas.openxmlformats.org/drawingml/2006/main" xmlns:r="http://schemas.openxmlformats.org/officeDocument/2006/relationships" xmlns:p="http://schemas.openxmlformats.org/presentationml/2006/main">
+<file path=ppt/notesSlides/notesSlide58.xml><?xml version="1.0" encoding="utf-8"?>
+<p:notes xmlns:a="http://schemas.openxmlformats.org/drawingml/2006/main" xmlns:r="http://schemas.openxmlformats.org/officeDocument/2006/relationships" xmlns:p="http://schemas.openxmlformats.org/presentationml/2006/main" showMasterSp="0" showMasterPhAnim="0">
   <p:cSld>
     <p:spTree>
       <p:nvGrpSpPr>
-        <p:cNvPr id="1" name=""/>
+        <p:cNvPr id="1" name="Shape 1963"/>
         <p:cNvGrpSpPr/>
         <p:nvPr/>
       </p:nvGrpSpPr>
@@ -9597,238 +10099,7 @@
       </p:grpSpPr>
       <p:sp>
         <p:nvSpPr>
-          <p:cNvPr id="2" name="Slide Image Placeholder 1"/>
-          <p:cNvSpPr>
-            <a:spLocks noGrp="1" noRot="1" noChangeAspect="1"/>
-          </p:cNvSpPr>
-          <p:nvPr>
-            <p:ph type="sldImg"/>
-          </p:nvPr>
-        </p:nvSpPr>
-        <p:spPr>
-          <a:xfrm>
-            <a:off x="1143000" y="685800"/>
-            <a:ext cx="4572000" cy="3429000"/>
-          </a:xfrm>
-        </p:spPr>
-      </p:sp>
-      <p:sp>
-        <p:nvSpPr>
-          <p:cNvPr id="3" name="Notes Placeholder 2"/>
-          <p:cNvSpPr>
-            <a:spLocks noGrp="1"/>
-          </p:cNvSpPr>
-          <p:nvPr>
-            <p:ph type="body" idx="1"/>
-          </p:nvPr>
-        </p:nvSpPr>
-        <p:spPr/>
-        <p:txBody>
-          <a:bodyPr/>
-          <a:lstStyle/>
-          <a:p>
-            <a:pPr lvl="0" rtl="0">
-              <a:lnSpc>
-                <a:spcPct val="115000"/>
-              </a:lnSpc>
-              <a:spcBef>
-                <a:spcPts val="0"/>
-              </a:spcBef>
-              <a:buClr>
-                <a:schemeClr val="dk1"/>
-              </a:buClr>
-              <a:buSzPct val="100000"/>
-              <a:buFont typeface="Arial"/>
-              <a:buNone/>
-            </a:pPr>
-            <a:r>
-              <a:rPr lang="en-US" dirty="0" err="1" smtClean="0"/>
-              <a:t>Hàng</a:t>
-            </a:r>
-            <a:r>
-              <a:rPr lang="en-US" baseline="0" dirty="0" smtClean="0"/>
-              <a:t> </a:t>
-            </a:r>
-            <a:r>
-              <a:rPr lang="en-US" baseline="0" dirty="0" err="1" smtClean="0"/>
-              <a:t>ngày</a:t>
-            </a:r>
-            <a:r>
-              <a:rPr lang="en-US" baseline="0" dirty="0" smtClean="0"/>
-              <a:t> </a:t>
-            </a:r>
-            <a:r>
-              <a:rPr lang="en-US" baseline="0" dirty="0" err="1" smtClean="0"/>
-              <a:t>vào</a:t>
-            </a:r>
-            <a:r>
-              <a:rPr lang="en-US" baseline="0" dirty="0" smtClean="0"/>
-              <a:t> </a:t>
-            </a:r>
-            <a:r>
-              <a:rPr lang="en-US" baseline="0" dirty="0" err="1" smtClean="0"/>
-              <a:t>lúc</a:t>
-            </a:r>
-            <a:r>
-              <a:rPr lang="en-US" baseline="0" dirty="0" smtClean="0"/>
-              <a:t> 10h </a:t>
-            </a:r>
-            <a:r>
-              <a:rPr lang="en-US" baseline="0" dirty="0" err="1" smtClean="0"/>
-              <a:t>đêm</a:t>
-            </a:r>
-            <a:r>
-              <a:rPr lang="en-US" baseline="0" dirty="0" smtClean="0"/>
-              <a:t>, scheduler </a:t>
-            </a:r>
-            <a:r>
-              <a:rPr lang="en-US" baseline="0" dirty="0" err="1" smtClean="0"/>
-              <a:t>sẽ</a:t>
-            </a:r>
-            <a:r>
-              <a:rPr lang="en-US" baseline="0" dirty="0" smtClean="0"/>
-              <a:t> </a:t>
-            </a:r>
-            <a:r>
-              <a:rPr lang="en-US" baseline="0" dirty="0" err="1" smtClean="0"/>
-              <a:t>đồng</a:t>
-            </a:r>
-            <a:r>
-              <a:rPr lang="en-US" baseline="0" dirty="0" smtClean="0"/>
-              <a:t> </a:t>
-            </a:r>
-            <a:r>
-              <a:rPr lang="en-US" baseline="0" dirty="0" err="1" smtClean="0"/>
-              <a:t>bộ</a:t>
-            </a:r>
-            <a:r>
-              <a:rPr lang="en-US" baseline="0" dirty="0" smtClean="0"/>
-              <a:t> </a:t>
-            </a:r>
-            <a:r>
-              <a:rPr lang="en-US" baseline="0" dirty="0" err="1" smtClean="0"/>
-              <a:t>hóa</a:t>
-            </a:r>
-            <a:r>
-              <a:rPr lang="en-US" baseline="0" dirty="0" smtClean="0"/>
-              <a:t> </a:t>
-            </a:r>
-            <a:r>
-              <a:rPr lang="en-US" baseline="0" dirty="0" err="1" smtClean="0"/>
-              <a:t>dữ</a:t>
-            </a:r>
-            <a:r>
-              <a:rPr lang="en-US" baseline="0" dirty="0" smtClean="0"/>
-              <a:t> </a:t>
-            </a:r>
-            <a:r>
-              <a:rPr lang="en-US" baseline="0" dirty="0" err="1" smtClean="0"/>
-              <a:t>liệu</a:t>
-            </a:r>
-            <a:r>
-              <a:rPr lang="en-US" baseline="0" dirty="0" smtClean="0"/>
-              <a:t> </a:t>
-            </a:r>
-            <a:r>
-              <a:rPr lang="en-US" baseline="0" dirty="0" err="1" smtClean="0"/>
-              <a:t>luyện</a:t>
-            </a:r>
-            <a:r>
-              <a:rPr lang="en-US" baseline="0" dirty="0" smtClean="0"/>
-              <a:t> </a:t>
-            </a:r>
-            <a:r>
-              <a:rPr lang="en-US" baseline="0" dirty="0" err="1" smtClean="0"/>
-              <a:t>tập</a:t>
-            </a:r>
-            <a:r>
-              <a:rPr lang="en-US" baseline="0" dirty="0" smtClean="0"/>
-              <a:t> </a:t>
-            </a:r>
-            <a:r>
-              <a:rPr lang="en-US" baseline="0" dirty="0" err="1" smtClean="0"/>
-              <a:t>của</a:t>
-            </a:r>
-            <a:r>
-              <a:rPr lang="en-US" baseline="0" dirty="0" smtClean="0"/>
-              <a:t> </a:t>
-            </a:r>
-            <a:r>
-              <a:rPr lang="en-US" baseline="0" dirty="0" err="1" smtClean="0"/>
-              <a:t>bệnh</a:t>
-            </a:r>
-            <a:r>
-              <a:rPr lang="en-US" baseline="0" dirty="0" smtClean="0"/>
-              <a:t> </a:t>
-            </a:r>
-            <a:r>
-              <a:rPr lang="en-US" baseline="0" dirty="0" err="1" smtClean="0"/>
-              <a:t>nhân</a:t>
-            </a:r>
-            <a:r>
-              <a:rPr lang="en-US" baseline="0" dirty="0" smtClean="0"/>
-              <a:t> </a:t>
-            </a:r>
-            <a:r>
-              <a:rPr lang="en-US" baseline="0" dirty="0" err="1" smtClean="0"/>
-              <a:t>lên</a:t>
-            </a:r>
-            <a:r>
-              <a:rPr lang="en-US" baseline="0" dirty="0" smtClean="0"/>
-              <a:t> </a:t>
-            </a:r>
-            <a:r>
-              <a:rPr lang="en-US" baseline="0" dirty="0" err="1" smtClean="0"/>
-              <a:t>hệ</a:t>
-            </a:r>
-            <a:r>
-              <a:rPr lang="en-US" baseline="0" dirty="0" smtClean="0"/>
-              <a:t> </a:t>
-            </a:r>
-            <a:r>
-              <a:rPr lang="en-US" baseline="0" dirty="0" err="1" smtClean="0"/>
-              <a:t>thống</a:t>
-            </a:r>
-            <a:endParaRPr lang="en-US" dirty="0" smtClean="0"/>
-          </a:p>
-          <a:p>
-            <a:endParaRPr lang="en-US" dirty="0"/>
-          </a:p>
-        </p:txBody>
-      </p:sp>
-    </p:spTree>
-    <p:extLst>
-      <p:ext uri="{BB962C8B-B14F-4D97-AF65-F5344CB8AC3E}">
-        <p14:creationId xmlns:p14="http://schemas.microsoft.com/office/powerpoint/2010/main" val="569446814"/>
-      </p:ext>
-    </p:extLst>
-  </p:cSld>
-  <p:clrMapOvr>
-    <a:masterClrMapping/>
-  </p:clrMapOvr>
-</p:notes>
-</file>
-
-<file path=ppt/notesSlides/notesSlide7.xml><?xml version="1.0" encoding="utf-8"?>
-<p:notes xmlns:a="http://schemas.openxmlformats.org/drawingml/2006/main" xmlns:r="http://schemas.openxmlformats.org/officeDocument/2006/relationships" xmlns:p="http://schemas.openxmlformats.org/presentationml/2006/main" showMasterSp="0" showMasterPhAnim="0">
-  <p:cSld>
-    <p:spTree>
-      <p:nvGrpSpPr>
-        <p:cNvPr id="1" name="Shape 105"/>
-        <p:cNvGrpSpPr/>
-        <p:nvPr/>
-      </p:nvGrpSpPr>
-      <p:grpSpPr>
-        <a:xfrm>
-          <a:off x="0" y="0"/>
-          <a:ext cx="0" cy="0"/>
-          <a:chOff x="0" y="0"/>
-          <a:chExt cx="0" cy="0"/>
-        </a:xfrm>
-      </p:grpSpPr>
-      <p:sp>
-        <p:nvSpPr>
-          <p:cNvPr id="106" name="Shape 106"/>
+          <p:cNvPr id="1964" name="Shape 1964"/>
           <p:cNvSpPr>
             <a:spLocks noGrp="1" noRot="1" noChangeAspect="1"/>
           </p:cNvSpPr>
@@ -9879,7 +10150,7 @@
       </p:sp>
       <p:sp>
         <p:nvSpPr>
-          <p:cNvPr id="107" name="Shape 107"/>
+          <p:cNvPr id="1965" name="Shape 1965"/>
           <p:cNvSpPr txBox="1">
             <a:spLocks noGrp="1"/>
           </p:cNvSpPr>
@@ -9902,188 +10173,23 @@
           </a:bodyPr>
           <a:lstStyle/>
           <a:p>
-            <a:pPr lvl="0" rtl="0">
-              <a:spcBef>
-                <a:spcPts val="0"/>
-              </a:spcBef>
-              <a:buNone/>
+            <a:pPr marL="457200" lvl="0" indent="-228600">
+              <a:spcBef>
+                <a:spcPts val="0"/>
+              </a:spcBef>
+              <a:buChar char="-"/>
             </a:pPr>
             <a:r>
-              <a:rPr lang="en-US" dirty="0" err="1" smtClean="0"/>
-              <a:t>Tiếp</a:t>
-            </a:r>
-            <a:r>
-              <a:rPr lang="en-US" baseline="0" dirty="0" smtClean="0"/>
-              <a:t> </a:t>
-            </a:r>
-            <a:r>
-              <a:rPr lang="en-US" baseline="0" dirty="0" err="1" smtClean="0"/>
-              <a:t>theo</a:t>
-            </a:r>
-            <a:r>
-              <a:rPr lang="en-US" baseline="0" dirty="0" smtClean="0"/>
-              <a:t> </a:t>
-            </a:r>
-            <a:r>
-              <a:rPr lang="en-US" baseline="0" dirty="0" err="1" smtClean="0"/>
-              <a:t>tôi</a:t>
-            </a:r>
-            <a:r>
-              <a:rPr lang="en-US" baseline="0" dirty="0" smtClean="0"/>
-              <a:t> </a:t>
-            </a:r>
-            <a:r>
-              <a:rPr lang="en-US" baseline="0" dirty="0" err="1" smtClean="0"/>
-              <a:t>xin</a:t>
-            </a:r>
-            <a:r>
-              <a:rPr lang="en-US" baseline="0" dirty="0" smtClean="0"/>
-              <a:t> </a:t>
-            </a:r>
-            <a:r>
-              <a:rPr lang="en-US" baseline="0" dirty="0" err="1" smtClean="0"/>
-              <a:t>phép</a:t>
-            </a:r>
-            <a:r>
-              <a:rPr lang="en-US" baseline="0" dirty="0" smtClean="0"/>
-              <a:t> </a:t>
-            </a:r>
-            <a:r>
-              <a:rPr lang="en-US" baseline="0" dirty="0" err="1" smtClean="0"/>
-              <a:t>được</a:t>
-            </a:r>
-            <a:r>
-              <a:rPr lang="en-US" baseline="0" dirty="0" smtClean="0"/>
-              <a:t> </a:t>
-            </a:r>
-            <a:r>
-              <a:rPr lang="en-US" baseline="0" dirty="0" err="1" smtClean="0"/>
-              <a:t>trình</a:t>
-            </a:r>
-            <a:r>
-              <a:rPr lang="en-US" baseline="0" dirty="0" smtClean="0"/>
-              <a:t> </a:t>
-            </a:r>
-            <a:r>
-              <a:rPr lang="en-US" baseline="0" dirty="0" err="1" smtClean="0"/>
-              <a:t>bày</a:t>
-            </a:r>
-            <a:r>
-              <a:rPr lang="en-US" baseline="0" dirty="0" smtClean="0"/>
-              <a:t> </a:t>
-            </a:r>
-            <a:r>
-              <a:rPr lang="en-US" baseline="0" dirty="0" err="1" smtClean="0"/>
-              <a:t>về</a:t>
-            </a:r>
-            <a:r>
-              <a:rPr lang="en-US" baseline="0" dirty="0" smtClean="0"/>
-              <a:t> </a:t>
-            </a:r>
-            <a:r>
-              <a:rPr lang="en-US" baseline="0" dirty="0" err="1" smtClean="0"/>
-              <a:t>tác</a:t>
-            </a:r>
-            <a:r>
-              <a:rPr lang="en-US" baseline="0" dirty="0" smtClean="0"/>
-              <a:t> </a:t>
-            </a:r>
-            <a:r>
-              <a:rPr lang="en-US" baseline="0" dirty="0" err="1" smtClean="0"/>
-              <a:t>vụ</a:t>
-            </a:r>
-            <a:r>
-              <a:rPr lang="en-US" baseline="0" dirty="0" smtClean="0"/>
-              <a:t> </a:t>
-            </a:r>
-            <a:r>
-              <a:rPr lang="en-US" baseline="0" dirty="0" err="1" smtClean="0"/>
-              <a:t>kiểm</a:t>
-            </a:r>
-            <a:r>
-              <a:rPr lang="en-US" baseline="0" dirty="0" smtClean="0"/>
-              <a:t> </a:t>
-            </a:r>
-            <a:r>
-              <a:rPr lang="en-US" baseline="0" dirty="0" err="1" smtClean="0"/>
-              <a:t>tra</a:t>
-            </a:r>
-            <a:r>
-              <a:rPr lang="en-US" baseline="0" dirty="0" smtClean="0"/>
-              <a:t> </a:t>
-            </a:r>
-            <a:r>
-              <a:rPr lang="en-US" baseline="0" dirty="0" err="1" smtClean="0"/>
-              <a:t>thông</a:t>
-            </a:r>
-            <a:r>
-              <a:rPr lang="en-US" baseline="0" dirty="0" smtClean="0"/>
-              <a:t> </a:t>
-            </a:r>
-            <a:r>
-              <a:rPr lang="en-US" baseline="0" dirty="0" err="1" smtClean="0"/>
-              <a:t>báo</a:t>
-            </a:r>
-            <a:r>
-              <a:rPr lang="en-US" baseline="0" dirty="0" smtClean="0"/>
-              <a:t> </a:t>
-            </a:r>
-            <a:r>
-              <a:rPr lang="en-US" baseline="0" dirty="0" err="1" smtClean="0"/>
-              <a:t>của</a:t>
-            </a:r>
-            <a:r>
-              <a:rPr lang="en-US" baseline="0" dirty="0" smtClean="0"/>
-              <a:t> </a:t>
-            </a:r>
-            <a:r>
-              <a:rPr lang="en-US" baseline="0" dirty="0" err="1" smtClean="0"/>
-              <a:t>bệnh</a:t>
-            </a:r>
-            <a:r>
-              <a:rPr lang="en-US" baseline="0" dirty="0" smtClean="0"/>
-              <a:t> </a:t>
-            </a:r>
-            <a:r>
-              <a:rPr lang="en-US" baseline="0" dirty="0" err="1" smtClean="0"/>
-              <a:t>nhân</a:t>
-            </a:r>
-            <a:r>
-              <a:rPr lang="en-US" baseline="0" dirty="0" smtClean="0"/>
-              <a:t> </a:t>
-            </a:r>
-            <a:r>
-              <a:rPr lang="en-US" baseline="0" dirty="0" err="1" smtClean="0"/>
-              <a:t>trên</a:t>
-            </a:r>
-            <a:r>
-              <a:rPr lang="en-US" baseline="0" dirty="0" smtClean="0"/>
-              <a:t> </a:t>
-            </a:r>
-            <a:r>
-              <a:rPr lang="en-US" baseline="0" dirty="0" err="1" smtClean="0"/>
-              <a:t>hệ</a:t>
-            </a:r>
-            <a:r>
-              <a:rPr lang="en-US" baseline="0" dirty="0" smtClean="0"/>
-              <a:t> </a:t>
-            </a:r>
-            <a:r>
-              <a:rPr lang="en-US" baseline="0" dirty="0" err="1" smtClean="0"/>
-              <a:t>thống</a:t>
-            </a:r>
-            <a:r>
-              <a:rPr lang="en-US" baseline="0" dirty="0" smtClean="0"/>
-              <a:t>.</a:t>
-            </a:r>
-            <a:endParaRPr dirty="0"/>
+              <a:rPr lang="en"/>
+              <a:t>Như vậy chúng tôi đã trình bày và demo các nghiệp vụ quan trọng nhất của đồ án mà chúng tôi thực hiện, bên cạnh đó chúng tôi cũng đã xây dựng được một số chức năng khác, tuy nhiên do giới hạn thời gian nên chúng tôi xin được phép không trình bày ngay bây giờ.</a:t>
+            </a:r>
           </a:p>
         </p:txBody>
       </p:sp>
     </p:spTree>
     <p:extLst>
       <p:ext uri="{BB962C8B-B14F-4D97-AF65-F5344CB8AC3E}">
-        <p14:creationId xmlns:p14="http://schemas.microsoft.com/office/powerpoint/2010/main" val="1750929589"/>
+        <p14:creationId xmlns:p14="http://schemas.microsoft.com/office/powerpoint/2010/main" val="2246145709"/>
       </p:ext>
     </p:extLst>
   </p:cSld>
@@ -10093,12 +10199,12 @@
 </p:notes>
 </file>
 
-<file path=ppt/notesSlides/notesSlide8.xml><?xml version="1.0" encoding="utf-8"?>
-<p:notes xmlns:a="http://schemas.openxmlformats.org/drawingml/2006/main" xmlns:r="http://schemas.openxmlformats.org/officeDocument/2006/relationships" xmlns:p="http://schemas.openxmlformats.org/presentationml/2006/main" showMasterSp="0" showMasterPhAnim="0">
+<file path=ppt/notesSlides/notesSlide6.xml><?xml version="1.0" encoding="utf-8"?>
+<p:notes xmlns:a="http://schemas.openxmlformats.org/drawingml/2006/main" xmlns:r="http://schemas.openxmlformats.org/officeDocument/2006/relationships" xmlns:p="http://schemas.openxmlformats.org/presentationml/2006/main">
   <p:cSld>
     <p:spTree>
       <p:nvGrpSpPr>
-        <p:cNvPr id="1" name="Shape 1963"/>
+        <p:cNvPr id="1" name=""/>
         <p:cNvGrpSpPr/>
         <p:nvPr/>
       </p:nvGrpSpPr>
@@ -10112,7 +10218,238 @@
       </p:grpSpPr>
       <p:sp>
         <p:nvSpPr>
-          <p:cNvPr id="1964" name="Shape 1964"/>
+          <p:cNvPr id="2" name="Slide Image Placeholder 1"/>
+          <p:cNvSpPr>
+            <a:spLocks noGrp="1" noRot="1" noChangeAspect="1"/>
+          </p:cNvSpPr>
+          <p:nvPr>
+            <p:ph type="sldImg"/>
+          </p:nvPr>
+        </p:nvSpPr>
+        <p:spPr>
+          <a:xfrm>
+            <a:off x="1143000" y="685800"/>
+            <a:ext cx="4572000" cy="3429000"/>
+          </a:xfrm>
+        </p:spPr>
+      </p:sp>
+      <p:sp>
+        <p:nvSpPr>
+          <p:cNvPr id="3" name="Notes Placeholder 2"/>
+          <p:cNvSpPr>
+            <a:spLocks noGrp="1"/>
+          </p:cNvSpPr>
+          <p:nvPr>
+            <p:ph type="body" idx="1"/>
+          </p:nvPr>
+        </p:nvSpPr>
+        <p:spPr/>
+        <p:txBody>
+          <a:bodyPr/>
+          <a:lstStyle/>
+          <a:p>
+            <a:pPr lvl="0" rtl="0">
+              <a:lnSpc>
+                <a:spcPct val="115000"/>
+              </a:lnSpc>
+              <a:spcBef>
+                <a:spcPts val="0"/>
+              </a:spcBef>
+              <a:buClr>
+                <a:schemeClr val="dk1"/>
+              </a:buClr>
+              <a:buSzPct val="100000"/>
+              <a:buFont typeface="Arial"/>
+              <a:buNone/>
+            </a:pPr>
+            <a:r>
+              <a:rPr lang="en-US" dirty="0" err="1" smtClean="0"/>
+              <a:t>Hàng</a:t>
+            </a:r>
+            <a:r>
+              <a:rPr lang="en-US" baseline="0" dirty="0" smtClean="0"/>
+              <a:t> </a:t>
+            </a:r>
+            <a:r>
+              <a:rPr lang="en-US" baseline="0" dirty="0" err="1" smtClean="0"/>
+              <a:t>ngày</a:t>
+            </a:r>
+            <a:r>
+              <a:rPr lang="en-US" baseline="0" dirty="0" smtClean="0"/>
+              <a:t> </a:t>
+            </a:r>
+            <a:r>
+              <a:rPr lang="en-US" baseline="0" dirty="0" err="1" smtClean="0"/>
+              <a:t>vào</a:t>
+            </a:r>
+            <a:r>
+              <a:rPr lang="en-US" baseline="0" dirty="0" smtClean="0"/>
+              <a:t> </a:t>
+            </a:r>
+            <a:r>
+              <a:rPr lang="en-US" baseline="0" dirty="0" err="1" smtClean="0"/>
+              <a:t>lúc</a:t>
+            </a:r>
+            <a:r>
+              <a:rPr lang="en-US" baseline="0" dirty="0" smtClean="0"/>
+              <a:t> 10h </a:t>
+            </a:r>
+            <a:r>
+              <a:rPr lang="en-US" baseline="0" dirty="0" err="1" smtClean="0"/>
+              <a:t>đêm</a:t>
+            </a:r>
+            <a:r>
+              <a:rPr lang="en-US" baseline="0" dirty="0" smtClean="0"/>
+              <a:t>, scheduler </a:t>
+            </a:r>
+            <a:r>
+              <a:rPr lang="en-US" baseline="0" dirty="0" err="1" smtClean="0"/>
+              <a:t>sẽ</a:t>
+            </a:r>
+            <a:r>
+              <a:rPr lang="en-US" baseline="0" dirty="0" smtClean="0"/>
+              <a:t> </a:t>
+            </a:r>
+            <a:r>
+              <a:rPr lang="en-US" baseline="0" dirty="0" err="1" smtClean="0"/>
+              <a:t>đồng</a:t>
+            </a:r>
+            <a:r>
+              <a:rPr lang="en-US" baseline="0" dirty="0" smtClean="0"/>
+              <a:t> </a:t>
+            </a:r>
+            <a:r>
+              <a:rPr lang="en-US" baseline="0" dirty="0" err="1" smtClean="0"/>
+              <a:t>bộ</a:t>
+            </a:r>
+            <a:r>
+              <a:rPr lang="en-US" baseline="0" dirty="0" smtClean="0"/>
+              <a:t> </a:t>
+            </a:r>
+            <a:r>
+              <a:rPr lang="en-US" baseline="0" dirty="0" err="1" smtClean="0"/>
+              <a:t>hóa</a:t>
+            </a:r>
+            <a:r>
+              <a:rPr lang="en-US" baseline="0" dirty="0" smtClean="0"/>
+              <a:t> </a:t>
+            </a:r>
+            <a:r>
+              <a:rPr lang="en-US" baseline="0" dirty="0" err="1" smtClean="0"/>
+              <a:t>dữ</a:t>
+            </a:r>
+            <a:r>
+              <a:rPr lang="en-US" baseline="0" dirty="0" smtClean="0"/>
+              <a:t> </a:t>
+            </a:r>
+            <a:r>
+              <a:rPr lang="en-US" baseline="0" dirty="0" err="1" smtClean="0"/>
+              <a:t>liệu</a:t>
+            </a:r>
+            <a:r>
+              <a:rPr lang="en-US" baseline="0" dirty="0" smtClean="0"/>
+              <a:t> </a:t>
+            </a:r>
+            <a:r>
+              <a:rPr lang="en-US" baseline="0" dirty="0" err="1" smtClean="0"/>
+              <a:t>luyện</a:t>
+            </a:r>
+            <a:r>
+              <a:rPr lang="en-US" baseline="0" dirty="0" smtClean="0"/>
+              <a:t> </a:t>
+            </a:r>
+            <a:r>
+              <a:rPr lang="en-US" baseline="0" dirty="0" err="1" smtClean="0"/>
+              <a:t>tập</a:t>
+            </a:r>
+            <a:r>
+              <a:rPr lang="en-US" baseline="0" dirty="0" smtClean="0"/>
+              <a:t> </a:t>
+            </a:r>
+            <a:r>
+              <a:rPr lang="en-US" baseline="0" dirty="0" err="1" smtClean="0"/>
+              <a:t>của</a:t>
+            </a:r>
+            <a:r>
+              <a:rPr lang="en-US" baseline="0" dirty="0" smtClean="0"/>
+              <a:t> </a:t>
+            </a:r>
+            <a:r>
+              <a:rPr lang="en-US" baseline="0" dirty="0" err="1" smtClean="0"/>
+              <a:t>bệnh</a:t>
+            </a:r>
+            <a:r>
+              <a:rPr lang="en-US" baseline="0" dirty="0" smtClean="0"/>
+              <a:t> </a:t>
+            </a:r>
+            <a:r>
+              <a:rPr lang="en-US" baseline="0" dirty="0" err="1" smtClean="0"/>
+              <a:t>nhân</a:t>
+            </a:r>
+            <a:r>
+              <a:rPr lang="en-US" baseline="0" dirty="0" smtClean="0"/>
+              <a:t> </a:t>
+            </a:r>
+            <a:r>
+              <a:rPr lang="en-US" baseline="0" dirty="0" err="1" smtClean="0"/>
+              <a:t>lên</a:t>
+            </a:r>
+            <a:r>
+              <a:rPr lang="en-US" baseline="0" dirty="0" smtClean="0"/>
+              <a:t> </a:t>
+            </a:r>
+            <a:r>
+              <a:rPr lang="en-US" baseline="0" dirty="0" err="1" smtClean="0"/>
+              <a:t>hệ</a:t>
+            </a:r>
+            <a:r>
+              <a:rPr lang="en-US" baseline="0" dirty="0" smtClean="0"/>
+              <a:t> </a:t>
+            </a:r>
+            <a:r>
+              <a:rPr lang="en-US" baseline="0" dirty="0" err="1" smtClean="0"/>
+              <a:t>thống</a:t>
+            </a:r>
+            <a:endParaRPr lang="en-US" dirty="0" smtClean="0"/>
+          </a:p>
+          <a:p>
+            <a:endParaRPr lang="en-US" dirty="0"/>
+          </a:p>
+        </p:txBody>
+      </p:sp>
+    </p:spTree>
+    <p:extLst>
+      <p:ext uri="{BB962C8B-B14F-4D97-AF65-F5344CB8AC3E}">
+        <p14:creationId xmlns:p14="http://schemas.microsoft.com/office/powerpoint/2010/main" val="569446814"/>
+      </p:ext>
+    </p:extLst>
+  </p:cSld>
+  <p:clrMapOvr>
+    <a:masterClrMapping/>
+  </p:clrMapOvr>
+</p:notes>
+</file>
+
+<file path=ppt/notesSlides/notesSlide7.xml><?xml version="1.0" encoding="utf-8"?>
+<p:notes xmlns:a="http://schemas.openxmlformats.org/drawingml/2006/main" xmlns:r="http://schemas.openxmlformats.org/officeDocument/2006/relationships" xmlns:p="http://schemas.openxmlformats.org/presentationml/2006/main" showMasterSp="0" showMasterPhAnim="0">
+  <p:cSld>
+    <p:spTree>
+      <p:nvGrpSpPr>
+        <p:cNvPr id="1" name="Shape 105"/>
+        <p:cNvGrpSpPr/>
+        <p:nvPr/>
+      </p:nvGrpSpPr>
+      <p:grpSpPr>
+        <a:xfrm>
+          <a:off x="0" y="0"/>
+          <a:ext cx="0" cy="0"/>
+          <a:chOff x="0" y="0"/>
+          <a:chExt cx="0" cy="0"/>
+        </a:xfrm>
+      </p:grpSpPr>
+      <p:sp>
+        <p:nvSpPr>
+          <p:cNvPr id="106" name="Shape 106"/>
           <p:cNvSpPr>
             <a:spLocks noGrp="1" noRot="1" noChangeAspect="1"/>
           </p:cNvSpPr>
@@ -10163,7 +10500,7 @@
       </p:sp>
       <p:sp>
         <p:nvSpPr>
-          <p:cNvPr id="1965" name="Shape 1965"/>
+          <p:cNvPr id="107" name="Shape 107"/>
           <p:cNvSpPr txBox="1">
             <a:spLocks noGrp="1"/>
           </p:cNvSpPr>
@@ -10186,20 +10523,188 @@
           </a:bodyPr>
           <a:lstStyle/>
           <a:p>
-            <a:pPr marL="228600" lvl="0" indent="0">
+            <a:pPr lvl="0" rtl="0">
               <a:spcBef>
                 <a:spcPts val="0"/>
               </a:spcBef>
               <a:buNone/>
             </a:pPr>
-            <a:endParaRPr lang="en" dirty="0"/>
+            <a:r>
+              <a:rPr lang="en-US" dirty="0" err="1" smtClean="0"/>
+              <a:t>Tiếp</a:t>
+            </a:r>
+            <a:r>
+              <a:rPr lang="en-US" baseline="0" dirty="0" smtClean="0"/>
+              <a:t> </a:t>
+            </a:r>
+            <a:r>
+              <a:rPr lang="en-US" baseline="0" dirty="0" err="1" smtClean="0"/>
+              <a:t>theao</a:t>
+            </a:r>
+            <a:r>
+              <a:rPr lang="en-US" baseline="0" dirty="0" smtClean="0"/>
+              <a:t> </a:t>
+            </a:r>
+            <a:r>
+              <a:rPr lang="en-US" baseline="0" dirty="0" err="1" smtClean="0"/>
+              <a:t>tôi</a:t>
+            </a:r>
+            <a:r>
+              <a:rPr lang="en-US" baseline="0" dirty="0" smtClean="0"/>
+              <a:t> </a:t>
+            </a:r>
+            <a:r>
+              <a:rPr lang="en-US" baseline="0" dirty="0" err="1" smtClean="0"/>
+              <a:t>xin</a:t>
+            </a:r>
+            <a:r>
+              <a:rPr lang="en-US" baseline="0" dirty="0" smtClean="0"/>
+              <a:t> </a:t>
+            </a:r>
+            <a:r>
+              <a:rPr lang="en-US" baseline="0" dirty="0" err="1" smtClean="0"/>
+              <a:t>phép</a:t>
+            </a:r>
+            <a:r>
+              <a:rPr lang="en-US" baseline="0" dirty="0" smtClean="0"/>
+              <a:t> </a:t>
+            </a:r>
+            <a:r>
+              <a:rPr lang="en-US" baseline="0" dirty="0" err="1" smtClean="0"/>
+              <a:t>được</a:t>
+            </a:r>
+            <a:r>
+              <a:rPr lang="en-US" baseline="0" dirty="0" smtClean="0"/>
+              <a:t> </a:t>
+            </a:r>
+            <a:r>
+              <a:rPr lang="en-US" baseline="0" dirty="0" err="1" smtClean="0"/>
+              <a:t>trình</a:t>
+            </a:r>
+            <a:r>
+              <a:rPr lang="en-US" baseline="0" dirty="0" smtClean="0"/>
+              <a:t> </a:t>
+            </a:r>
+            <a:r>
+              <a:rPr lang="en-US" baseline="0" dirty="0" err="1" smtClean="0"/>
+              <a:t>bày</a:t>
+            </a:r>
+            <a:r>
+              <a:rPr lang="en-US" baseline="0" dirty="0" smtClean="0"/>
+              <a:t> </a:t>
+            </a:r>
+            <a:r>
+              <a:rPr lang="en-US" baseline="0" dirty="0" err="1" smtClean="0"/>
+              <a:t>về</a:t>
+            </a:r>
+            <a:r>
+              <a:rPr lang="en-US" baseline="0" dirty="0" smtClean="0"/>
+              <a:t> </a:t>
+            </a:r>
+            <a:r>
+              <a:rPr lang="en-US" baseline="0" dirty="0" err="1" smtClean="0"/>
+              <a:t>tác</a:t>
+            </a:r>
+            <a:r>
+              <a:rPr lang="en-US" baseline="0" dirty="0" smtClean="0"/>
+              <a:t> </a:t>
+            </a:r>
+            <a:r>
+              <a:rPr lang="en-US" baseline="0" dirty="0" err="1" smtClean="0"/>
+              <a:t>vụ</a:t>
+            </a:r>
+            <a:r>
+              <a:rPr lang="en-US" baseline="0" dirty="0" smtClean="0"/>
+              <a:t> </a:t>
+            </a:r>
+            <a:r>
+              <a:rPr lang="en-US" baseline="0" dirty="0" err="1" smtClean="0"/>
+              <a:t>kiểm</a:t>
+            </a:r>
+            <a:r>
+              <a:rPr lang="en-US" baseline="0" dirty="0" smtClean="0"/>
+              <a:t> </a:t>
+            </a:r>
+            <a:r>
+              <a:rPr lang="en-US" baseline="0" dirty="0" err="1" smtClean="0"/>
+              <a:t>tra</a:t>
+            </a:r>
+            <a:r>
+              <a:rPr lang="en-US" baseline="0" dirty="0" smtClean="0"/>
+              <a:t> </a:t>
+            </a:r>
+            <a:r>
+              <a:rPr lang="en-US" baseline="0" dirty="0" err="1" smtClean="0"/>
+              <a:t>thông</a:t>
+            </a:r>
+            <a:r>
+              <a:rPr lang="en-US" baseline="0" dirty="0" smtClean="0"/>
+              <a:t> </a:t>
+            </a:r>
+            <a:r>
+              <a:rPr lang="en-US" baseline="0" dirty="0" err="1" smtClean="0"/>
+              <a:t>báo</a:t>
+            </a:r>
+            <a:r>
+              <a:rPr lang="en-US" baseline="0" dirty="0" smtClean="0"/>
+              <a:t> </a:t>
+            </a:r>
+            <a:r>
+              <a:rPr lang="en-US" baseline="0" dirty="0" err="1" smtClean="0"/>
+              <a:t>của</a:t>
+            </a:r>
+            <a:r>
+              <a:rPr lang="en-US" baseline="0" dirty="0" smtClean="0"/>
+              <a:t> </a:t>
+            </a:r>
+            <a:r>
+              <a:rPr lang="en-US" baseline="0" dirty="0" err="1" smtClean="0"/>
+              <a:t>bệnh</a:t>
+            </a:r>
+            <a:r>
+              <a:rPr lang="en-US" baseline="0" dirty="0" smtClean="0"/>
+              <a:t> </a:t>
+            </a:r>
+            <a:r>
+              <a:rPr lang="en-US" baseline="0" dirty="0" err="1" smtClean="0"/>
+              <a:t>nhân</a:t>
+            </a:r>
+            <a:r>
+              <a:rPr lang="en-US" baseline="0" dirty="0" smtClean="0"/>
+              <a:t> </a:t>
+            </a:r>
+            <a:r>
+              <a:rPr lang="en-US" baseline="0" dirty="0" err="1" smtClean="0"/>
+              <a:t>trên</a:t>
+            </a:r>
+            <a:r>
+              <a:rPr lang="en-US" baseline="0" dirty="0" smtClean="0"/>
+              <a:t> </a:t>
+            </a:r>
+            <a:r>
+              <a:rPr lang="en-US" baseline="0" dirty="0" err="1" smtClean="0"/>
+              <a:t>hệ</a:t>
+            </a:r>
+            <a:r>
+              <a:rPr lang="en-US" baseline="0" dirty="0" smtClean="0"/>
+              <a:t> </a:t>
+            </a:r>
+            <a:r>
+              <a:rPr lang="en-US" baseline="0" dirty="0" err="1" smtClean="0"/>
+              <a:t>thống</a:t>
+            </a:r>
+            <a:r>
+              <a:rPr lang="en-US" baseline="0" dirty="0" smtClean="0"/>
+              <a:t>.</a:t>
+            </a:r>
+            <a:endParaRPr dirty="0"/>
           </a:p>
         </p:txBody>
       </p:sp>
     </p:spTree>
     <p:extLst>
       <p:ext uri="{BB962C8B-B14F-4D97-AF65-F5344CB8AC3E}">
-        <p14:creationId xmlns:p14="http://schemas.microsoft.com/office/powerpoint/2010/main" val="2466087767"/>
+        <p14:creationId xmlns:p14="http://schemas.microsoft.com/office/powerpoint/2010/main" val="1750929589"/>
       </p:ext>
     </p:extLst>
   </p:cSld>
@@ -10209,7 +10714,7 @@
 </p:notes>
 </file>
 
-<file path=ppt/notesSlides/notesSlide9.xml><?xml version="1.0" encoding="utf-8"?>
+<file path=ppt/notesSlides/notesSlide8.xml><?xml version="1.0" encoding="utf-8"?>
 <p:notes xmlns:a="http://schemas.openxmlformats.org/drawingml/2006/main" xmlns:r="http://schemas.openxmlformats.org/officeDocument/2006/relationships" xmlns:p="http://schemas.openxmlformats.org/presentationml/2006/main" showMasterSp="0" showMasterPhAnim="0">
   <p:cSld>
     <p:spTree>
@@ -10308,6 +10813,122 @@
               </a:spcBef>
               <a:buNone/>
             </a:pPr>
+            <a:endParaRPr lang="en" dirty="0"/>
+          </a:p>
+        </p:txBody>
+      </p:sp>
+    </p:spTree>
+    <p:extLst>
+      <p:ext uri="{BB962C8B-B14F-4D97-AF65-F5344CB8AC3E}">
+        <p14:creationId xmlns:p14="http://schemas.microsoft.com/office/powerpoint/2010/main" val="2466087767"/>
+      </p:ext>
+    </p:extLst>
+  </p:cSld>
+  <p:clrMapOvr>
+    <a:masterClrMapping/>
+  </p:clrMapOvr>
+</p:notes>
+</file>
+
+<file path=ppt/notesSlides/notesSlide9.xml><?xml version="1.0" encoding="utf-8"?>
+<p:notes xmlns:a="http://schemas.openxmlformats.org/drawingml/2006/main" xmlns:r="http://schemas.openxmlformats.org/officeDocument/2006/relationships" xmlns:p="http://schemas.openxmlformats.org/presentationml/2006/main" showMasterSp="0" showMasterPhAnim="0">
+  <p:cSld>
+    <p:spTree>
+      <p:nvGrpSpPr>
+        <p:cNvPr id="1" name="Shape 1963"/>
+        <p:cNvGrpSpPr/>
+        <p:nvPr/>
+      </p:nvGrpSpPr>
+      <p:grpSpPr>
+        <a:xfrm>
+          <a:off x="0" y="0"/>
+          <a:ext cx="0" cy="0"/>
+          <a:chOff x="0" y="0"/>
+          <a:chExt cx="0" cy="0"/>
+        </a:xfrm>
+      </p:grpSpPr>
+      <p:sp>
+        <p:nvSpPr>
+          <p:cNvPr id="1964" name="Shape 1964"/>
+          <p:cNvSpPr>
+            <a:spLocks noGrp="1" noRot="1" noChangeAspect="1"/>
+          </p:cNvSpPr>
+          <p:nvPr>
+            <p:ph type="sldImg" idx="2"/>
+          </p:nvPr>
+        </p:nvSpPr>
+        <p:spPr>
+          <a:xfrm>
+            <a:off x="1143000" y="685800"/>
+            <a:ext cx="4572000" cy="3429000"/>
+          </a:xfrm>
+          <a:custGeom>
+            <a:avLst/>
+            <a:gdLst/>
+            <a:ahLst/>
+            <a:cxnLst/>
+            <a:rect l="0" t="0" r="0" b="0"/>
+            <a:pathLst>
+              <a:path w="120000" h="120000" extrusionOk="0">
+                <a:moveTo>
+                  <a:pt x="0" y="0"/>
+                </a:moveTo>
+                <a:lnTo>
+                  <a:pt x="120000" y="0"/>
+                </a:lnTo>
+                <a:lnTo>
+                  <a:pt x="120000" y="120000"/>
+                </a:lnTo>
+                <a:lnTo>
+                  <a:pt x="0" y="120000"/>
+                </a:lnTo>
+                <a:close/>
+              </a:path>
+            </a:pathLst>
+          </a:custGeom>
+          <a:noFill/>
+          <a:ln w="9525" cap="flat" cmpd="sng">
+            <a:solidFill>
+              <a:srgbClr val="000000"/>
+            </a:solidFill>
+            <a:prstDash val="solid"/>
+            <a:round/>
+            <a:headEnd type="none" w="med" len="med"/>
+            <a:tailEnd type="none" w="med" len="med"/>
+          </a:ln>
+        </p:spPr>
+      </p:sp>
+      <p:sp>
+        <p:nvSpPr>
+          <p:cNvPr id="1965" name="Shape 1965"/>
+          <p:cNvSpPr txBox="1">
+            <a:spLocks noGrp="1"/>
+          </p:cNvSpPr>
+          <p:nvPr>
+            <p:ph type="body" idx="1"/>
+          </p:nvPr>
+        </p:nvSpPr>
+        <p:spPr>
+          <a:xfrm>
+            <a:off x="685800" y="4343400"/>
+            <a:ext cx="5486399" cy="4114800"/>
+          </a:xfrm>
+          <a:prstGeom prst="rect">
+            <a:avLst/>
+          </a:prstGeom>
+        </p:spPr>
+        <p:txBody>
+          <a:bodyPr lIns="91425" tIns="91425" rIns="91425" bIns="91425" anchor="t" anchorCtr="0">
+            <a:noAutofit/>
+          </a:bodyPr>
+          <a:lstStyle/>
+          <a:p>
+            <a:pPr marL="228600" lvl="0" indent="0">
+              <a:spcBef>
+                <a:spcPts val="0"/>
+              </a:spcBef>
+              <a:buNone/>
+            </a:pPr>
             <a:r>
               <a:rPr lang="en" dirty="0" smtClean="0"/>
               <a:t>Đầu</a:t>
@@ -10559,7 +11180,7 @@
             <a:fld id="{E30E2307-1E40-4E12-8716-25BFDA8E7013}" type="datetime1">
               <a:rPr lang="en-US" smtClean="0"/>
               <a:pPr/>
-              <a:t>12/11/2015</a:t>
+              <a:t>12/12/2015</a:t>
             </a:fld>
             <a:endParaRPr lang="en-US"/>
           </a:p>
@@ -10745,7 +11366,7 @@
             <a:fld id="{E5CFCF5A-EA79-452C-A52C-1A2668C2E7DF}" type="datetime1">
               <a:rPr lang="en-US" smtClean="0"/>
               <a:pPr/>
-              <a:t>12/11/2015</a:t>
+              <a:t>12/12/2015</a:t>
             </a:fld>
             <a:endParaRPr lang="en-US"/>
           </a:p>
@@ -10941,7 +11562,7 @@
             <a:fld id="{2E5C4C28-BD4B-4892-9A2D-6E19BD753A9A}" type="datetime1">
               <a:rPr lang="en-US" smtClean="0"/>
               <a:pPr/>
-              <a:t>12/11/2015</a:t>
+              <a:t>12/12/2015</a:t>
             </a:fld>
             <a:endParaRPr lang="en-US"/>
           </a:p>
@@ -11383,7 +12004,7 @@
                 </a:solidFill>
               </a:rPr>
               <a:pPr/>
-              <a:t>12/11/2015</a:t>
+              <a:t>12/12/2015</a:t>
             </a:fld>
             <a:endParaRPr lang="en-US">
               <a:solidFill>
@@ -11585,7 +12206,7 @@
                 </a:solidFill>
               </a:rPr>
               <a:pPr/>
-              <a:t>12/11/2015</a:t>
+              <a:t>12/12/2015</a:t>
             </a:fld>
             <a:endParaRPr lang="en-US">
               <a:solidFill>
@@ -11861,7 +12482,7 @@
                 </a:solidFill>
               </a:rPr>
               <a:pPr/>
-              <a:t>12/11/2015</a:t>
+              <a:t>12/12/2015</a:t>
             </a:fld>
             <a:endParaRPr lang="en-US">
               <a:solidFill>
@@ -12125,7 +12746,7 @@
                 </a:solidFill>
               </a:rPr>
               <a:pPr/>
-              <a:t>12/11/2015</a:t>
+              <a:t>12/12/2015</a:t>
             </a:fld>
             <a:endParaRPr lang="en-US">
               <a:solidFill>
@@ -12524,7 +13145,7 @@
                 </a:solidFill>
               </a:rPr>
               <a:pPr/>
-              <a:t>12/11/2015</a:t>
+              <a:t>12/12/2015</a:t>
             </a:fld>
             <a:endParaRPr lang="en-US">
               <a:solidFill>
@@ -12674,7 +13295,7 @@
                 </a:solidFill>
               </a:rPr>
               <a:pPr/>
-              <a:t>12/11/2015</a:t>
+              <a:t>12/12/2015</a:t>
             </a:fld>
             <a:endParaRPr lang="en-US">
               <a:solidFill>
@@ -12801,7 +13422,7 @@
                 </a:solidFill>
               </a:rPr>
               <a:pPr/>
-              <a:t>12/11/2015</a:t>
+              <a:t>12/12/2015</a:t>
             </a:fld>
             <a:endParaRPr lang="en-US">
               <a:solidFill>
@@ -12997,7 +13618,7 @@
             <a:fld id="{61FD9D02-426E-46C9-9EE9-0DE1EF8B2838}" type="datetime1">
               <a:rPr lang="en-US" smtClean="0"/>
               <a:pPr/>
-              <a:t>12/11/2015</a:t>
+              <a:t>12/12/2015</a:t>
             </a:fld>
             <a:endParaRPr lang="en-US"/>
           </a:p>
@@ -13296,7 +13917,7 @@
                 </a:solidFill>
               </a:rPr>
               <a:pPr/>
-              <a:t>12/11/2015</a:t>
+              <a:t>12/12/2015</a:t>
             </a:fld>
             <a:endParaRPr lang="en-US">
               <a:solidFill>
@@ -13585,7 +14206,7 @@
                 </a:solidFill>
               </a:rPr>
               <a:pPr/>
-              <a:t>12/11/2015</a:t>
+              <a:t>12/12/2015</a:t>
             </a:fld>
             <a:endParaRPr lang="en-US">
               <a:solidFill>
@@ -13787,7 +14408,7 @@
                 </a:solidFill>
               </a:rPr>
               <a:pPr/>
-              <a:t>12/11/2015</a:t>
+              <a:t>12/12/2015</a:t>
             </a:fld>
             <a:endParaRPr lang="en-US">
               <a:solidFill>
@@ -13999,7 +14620,7 @@
                 </a:solidFill>
               </a:rPr>
               <a:pPr/>
-              <a:t>12/11/2015</a:t>
+              <a:t>12/12/2015</a:t>
             </a:fld>
             <a:endParaRPr lang="en-US">
               <a:solidFill>
@@ -14511,7 +15132,7 @@
             <a:fld id="{7B8AEBBE-F8B2-42CF-9895-E86A608384EB}" type="datetime1">
               <a:rPr lang="en-US" smtClean="0"/>
               <a:pPr/>
-              <a:t>12/11/2015</a:t>
+              <a:t>12/12/2015</a:t>
             </a:fld>
             <a:endParaRPr lang="en-US"/>
           </a:p>
@@ -14815,7 +15436,7 @@
             <a:fld id="{E1FAA6B6-10E5-4810-BC9F-DA72D8452E73}" type="datetime1">
               <a:rPr lang="en-US" smtClean="0"/>
               <a:pPr/>
-              <a:t>12/11/2015</a:t>
+              <a:t>12/12/2015</a:t>
             </a:fld>
             <a:endParaRPr lang="en-US"/>
           </a:p>
@@ -15253,7 +15874,7 @@
             <a:fld id="{6D18D072-EF12-4AA2-BD71-ABC68B06D0E2}" type="datetime1">
               <a:rPr lang="en-US" smtClean="0"/>
               <a:pPr/>
-              <a:t>12/11/2015</a:t>
+              <a:t>12/12/2015</a:t>
             </a:fld>
             <a:endParaRPr lang="en-US"/>
           </a:p>
@@ -15387,7 +16008,7 @@
             <a:fld id="{B8CDBF60-6CC3-4B74-A60D-3486985E4346}" type="datetime1">
               <a:rPr lang="en-US" smtClean="0"/>
               <a:pPr/>
-              <a:t>12/11/2015</a:t>
+              <a:t>12/12/2015</a:t>
             </a:fld>
             <a:endParaRPr lang="en-US"/>
           </a:p>
@@ -15498,7 +16119,7 @@
             <a:fld id="{22714818-984F-4759-BF72-A33BDC1963BD}" type="datetime1">
               <a:rPr lang="en-US" smtClean="0"/>
               <a:pPr/>
-              <a:t>12/11/2015</a:t>
+              <a:t>12/12/2015</a:t>
             </a:fld>
             <a:endParaRPr lang="en-US"/>
           </a:p>
@@ -15790,7 +16411,7 @@
             <a:fld id="{9EA7E191-5F94-4FC1-B823-BD7CABF7FA06}" type="datetime1">
               <a:rPr lang="en-US" smtClean="0"/>
               <a:pPr/>
-              <a:t>12/11/2015</a:t>
+              <a:t>12/12/2015</a:t>
             </a:fld>
             <a:endParaRPr lang="en-US"/>
           </a:p>
@@ -16059,7 +16680,7 @@
             <a:fld id="{88856D55-EFBE-4F9B-8A5F-09D42CA22A9B}" type="datetime1">
               <a:rPr lang="en-US" smtClean="0"/>
               <a:pPr/>
-              <a:t>12/11/2015</a:t>
+              <a:t>12/12/2015</a:t>
             </a:fld>
             <a:endParaRPr lang="en-US"/>
           </a:p>
@@ -16288,7 +16909,7 @@
             <a:fld id="{9D1D110F-3F4E-48D9-B8AA-5D0E825AFDBA}" type="datetime1">
               <a:rPr lang="en-US" smtClean="0"/>
               <a:pPr/>
-              <a:t>12/11/2015</a:t>
+              <a:t>12/12/2015</a:t>
             </a:fld>
             <a:endParaRPr lang="en-US"/>
           </a:p>
@@ -16824,7 +17445,7 @@
                 <a:cs typeface="+mn-cs"/>
               </a:rPr>
               <a:pPr/>
-              <a:t>12/11/2015</a:t>
+              <a:t>12/12/2015</a:t>
             </a:fld>
             <a:endParaRPr lang="en-US" kern="1200">
               <a:solidFill>
@@ -38133,18 +38754,7 @@
                 <a:ea typeface="+mn-ea"/>
                 <a:cs typeface="+mn-cs"/>
               </a:rPr>
-              <a:t>Date when </a:t>
-            </a:r>
-            <a:r>
-              <a:rPr lang="en-US" sz="1800" kern="1200" dirty="0" smtClean="0">
-                <a:solidFill>
-                  <a:prstClr val="black"/>
-                </a:solidFill>
-                <a:latin typeface="Calibri"/>
-                <a:ea typeface="+mn-ea"/>
-                <a:cs typeface="+mn-cs"/>
-              </a:rPr>
-              <a:t>patient end medical examination</a:t>
+              <a:t>Date when patient end medical examination</a:t>
             </a:r>
             <a:endParaRPr lang="en-US" sz="1800" kern="1200" dirty="0">
               <a:solidFill>
@@ -50539,39 +51149,6 @@
       </p:sp>
       <p:sp>
         <p:nvSpPr>
-          <p:cNvPr id="1968" name="Shape 1968"/>
-          <p:cNvSpPr txBox="1">
-            <a:spLocks noGrp="1"/>
-          </p:cNvSpPr>
-          <p:nvPr>
-            <p:ph type="body" idx="1"/>
-          </p:nvPr>
-        </p:nvSpPr>
-        <p:spPr>
-          <a:prstGeom prst="rect">
-            <a:avLst/>
-          </a:prstGeom>
-        </p:spPr>
-        <p:txBody>
-          <a:bodyPr lIns="91425" tIns="91425" rIns="91425" bIns="91425" anchor="t" anchorCtr="0">
-            <a:noAutofit/>
-          </a:bodyPr>
-          <a:lstStyle/>
-          <a:p>
-            <a:pPr marL="0" lvl="0" indent="0">
-              <a:buSzPct val="55000"/>
-              <a:buNone/>
-            </a:pPr>
-            <a:endParaRPr lang="en" sz="1800" dirty="0">
-              <a:solidFill>
-                <a:srgbClr val="666666"/>
-              </a:solidFill>
-            </a:endParaRPr>
-          </a:p>
-        </p:txBody>
-      </p:sp>
-      <p:sp>
-        <p:nvSpPr>
           <p:cNvPr id="1969" name="Shape 1969"/>
           <p:cNvSpPr txBox="1">
             <a:spLocks noGrp="1"/>
@@ -50614,7 +51191,7 @@
       </p:sp>
       <p:pic>
         <p:nvPicPr>
-          <p:cNvPr id="7" name="Picture 4" descr="https://documents.lucidchart.com/documents/b3e66c5f-ae1e-47ea-858e-34b5761fe794/pages/0_0?a=501&amp;x=92&amp;y=172&amp;w=1056&amp;h=511&amp;store=1&amp;accept=image%2F*&amp;auth=LCA%20d3493a30a3e2f1408b74aaf8fa60730fa237a15a-ts%3D1449713516"/>
+          <p:cNvPr id="1030" name="Picture 6" descr="https://documents.lucidchart.com/documents/b3e66c5f-ae1e-47ea-858e-34b5761fe794/pages/0_0?a=667&amp;x=92&amp;y=158&amp;w=1056&amp;h=830&amp;store=1&amp;accept=image%2F*&amp;auth=LCA%205004249bd86a7cc71d687b902f1f8fd0ba0aa082-ts%3D1449878899"/>
           <p:cNvPicPr>
             <a:picLocks noChangeAspect="1" noChangeArrowheads="1"/>
           </p:cNvPicPr>
@@ -50635,8 +51212,8 @@
         </p:blipFill>
         <p:spPr bwMode="auto">
           <a:xfrm>
-            <a:off x="987690" y="1690199"/>
-            <a:ext cx="7543800" cy="3648076"/>
+            <a:off x="780845" y="1216742"/>
+            <a:ext cx="7543800" cy="5934075"/>
           </a:xfrm>
           <a:prstGeom prst="rect">
             <a:avLst/>
@@ -50771,39 +51348,6 @@
       </p:sp>
       <p:sp>
         <p:nvSpPr>
-          <p:cNvPr id="1968" name="Shape 1968"/>
-          <p:cNvSpPr txBox="1">
-            <a:spLocks noGrp="1"/>
-          </p:cNvSpPr>
-          <p:nvPr>
-            <p:ph type="body" idx="1"/>
-          </p:nvPr>
-        </p:nvSpPr>
-        <p:spPr>
-          <a:prstGeom prst="rect">
-            <a:avLst/>
-          </a:prstGeom>
-        </p:spPr>
-        <p:txBody>
-          <a:bodyPr lIns="91425" tIns="91425" rIns="91425" bIns="91425" anchor="t" anchorCtr="0">
-            <a:noAutofit/>
-          </a:bodyPr>
-          <a:lstStyle/>
-          <a:p>
-            <a:pPr marL="0" lvl="0" indent="0">
-              <a:buSzPct val="55000"/>
-              <a:buNone/>
-            </a:pPr>
-            <a:endParaRPr lang="en" sz="1800" dirty="0">
-              <a:solidFill>
-                <a:srgbClr val="666666"/>
-              </a:solidFill>
-            </a:endParaRPr>
-          </a:p>
-        </p:txBody>
-      </p:sp>
-      <p:sp>
-        <p:nvSpPr>
           <p:cNvPr id="1969" name="Shape 1969"/>
           <p:cNvSpPr txBox="1">
             <a:spLocks noGrp="1"/>
@@ -50846,7 +51390,7 @@
       </p:sp>
       <p:pic>
         <p:nvPicPr>
-          <p:cNvPr id="7" name="Picture 2" descr="https://documents.lucidchart.com/documents/b3e66c5f-ae1e-47ea-858e-34b5761fe794/pages/0_0?a=497&amp;x=92&amp;y=172&amp;w=1056&amp;h=511&amp;store=1&amp;accept=image%2F*&amp;auth=LCA%209f28f599b5db51d793c5e0b023f2b405a381372c-ts%3D1449713516"/>
+          <p:cNvPr id="2050" name="Picture 2" descr="https://documents.lucidchart.com/documents/b3e66c5f-ae1e-47ea-858e-34b5761fe794/pages/0_0?a=665&amp;x=92&amp;y=158&amp;w=1056&amp;h=830&amp;store=1&amp;accept=image%2F*&amp;auth=LCA%208a2bd9a9cee8dc65ac457b181f0cea7b11b6bf3b-ts%3D1449878899"/>
           <p:cNvPicPr>
             <a:picLocks noChangeAspect="1" noChangeArrowheads="1"/>
           </p:cNvPicPr>
@@ -50867,8 +51411,8 @@
         </p:blipFill>
         <p:spPr bwMode="auto">
           <a:xfrm>
-            <a:off x="987690" y="1690199"/>
-            <a:ext cx="7543800" cy="3648076"/>
+            <a:off x="780845" y="1219200"/>
+            <a:ext cx="7543800" cy="5934075"/>
           </a:xfrm>
           <a:prstGeom prst="rect">
             <a:avLst/>
@@ -51003,39 +51547,6 @@
       </p:sp>
       <p:sp>
         <p:nvSpPr>
-          <p:cNvPr id="1968" name="Shape 1968"/>
-          <p:cNvSpPr txBox="1">
-            <a:spLocks noGrp="1"/>
-          </p:cNvSpPr>
-          <p:nvPr>
-            <p:ph type="body" idx="1"/>
-          </p:nvPr>
-        </p:nvSpPr>
-        <p:spPr>
-          <a:prstGeom prst="rect">
-            <a:avLst/>
-          </a:prstGeom>
-        </p:spPr>
-        <p:txBody>
-          <a:bodyPr lIns="91425" tIns="91425" rIns="91425" bIns="91425" anchor="t" anchorCtr="0">
-            <a:noAutofit/>
-          </a:bodyPr>
-          <a:lstStyle/>
-          <a:p>
-            <a:pPr marL="0" lvl="0" indent="0">
-              <a:buSzPct val="55000"/>
-              <a:buNone/>
-            </a:pPr>
-            <a:endParaRPr lang="en" sz="1800" dirty="0">
-              <a:solidFill>
-                <a:srgbClr val="666666"/>
-              </a:solidFill>
-            </a:endParaRPr>
-          </a:p>
-        </p:txBody>
-      </p:sp>
-      <p:sp>
-        <p:nvSpPr>
           <p:cNvPr id="1969" name="Shape 1969"/>
           <p:cNvSpPr txBox="1">
             <a:spLocks noGrp="1"/>
@@ -51078,7 +51589,7 @@
       </p:sp>
       <p:pic>
         <p:nvPicPr>
-          <p:cNvPr id="7" name="Picture 2" descr="https://documents.lucidchart.com/documents/b3e66c5f-ae1e-47ea-858e-34b5761fe794/pages/0_0?a=499&amp;x=92&amp;y=172&amp;w=1056&amp;h=511&amp;store=1&amp;accept=image%2F*&amp;auth=LCA%2010edcd16ae2d603a19e04f9159eeaf76bbcfdbb3-ts%3D1449713516"/>
+          <p:cNvPr id="3074" name="Picture 2" descr="https://documents.lucidchart.com/documents/b3e66c5f-ae1e-47ea-858e-34b5761fe794/pages/0_0?a=669&amp;x=92&amp;y=158&amp;w=1056&amp;h=830&amp;store=1&amp;accept=image%2F*&amp;auth=LCA%205408275b6c07ae35ee5c26605fe1b0e68b2c3afc-ts%3D1449878899"/>
           <p:cNvPicPr>
             <a:picLocks noChangeAspect="1" noChangeArrowheads="1"/>
           </p:cNvPicPr>
@@ -51099,8 +51610,8 @@
         </p:blipFill>
         <p:spPr bwMode="auto">
           <a:xfrm>
-            <a:off x="987690" y="1690198"/>
-            <a:ext cx="7543800" cy="3648076"/>
+            <a:off x="780845" y="1219200"/>
+            <a:ext cx="7543800" cy="5934075"/>
           </a:xfrm>
           <a:prstGeom prst="rect">
             <a:avLst/>
@@ -51235,39 +51746,6 @@
       </p:sp>
       <p:sp>
         <p:nvSpPr>
-          <p:cNvPr id="1968" name="Shape 1968"/>
-          <p:cNvSpPr txBox="1">
-            <a:spLocks noGrp="1"/>
-          </p:cNvSpPr>
-          <p:nvPr>
-            <p:ph type="body" idx="1"/>
-          </p:nvPr>
-        </p:nvSpPr>
-        <p:spPr>
-          <a:prstGeom prst="rect">
-            <a:avLst/>
-          </a:prstGeom>
-        </p:spPr>
-        <p:txBody>
-          <a:bodyPr lIns="91425" tIns="91425" rIns="91425" bIns="91425" anchor="t" anchorCtr="0">
-            <a:noAutofit/>
-          </a:bodyPr>
-          <a:lstStyle/>
-          <a:p>
-            <a:pPr marL="0" lvl="0" indent="0">
-              <a:buSzPct val="55000"/>
-              <a:buNone/>
-            </a:pPr>
-            <a:endParaRPr lang="en" sz="1800" dirty="0">
-              <a:solidFill>
-                <a:srgbClr val="666666"/>
-              </a:solidFill>
-            </a:endParaRPr>
-          </a:p>
-        </p:txBody>
-      </p:sp>
-      <p:sp>
-        <p:nvSpPr>
           <p:cNvPr id="1969" name="Shape 1969"/>
           <p:cNvSpPr txBox="1">
             <a:spLocks noGrp="1"/>
@@ -51310,7 +51788,7 @@
       </p:sp>
       <p:pic>
         <p:nvPicPr>
-          <p:cNvPr id="7" name="Picture 2" descr="https://documents.lucidchart.com/documents/b3e66c5f-ae1e-47ea-858e-34b5761fe794/pages/0_0?a=503&amp;x=92&amp;y=172&amp;w=1056&amp;h=511&amp;store=1&amp;accept=image%2F*&amp;auth=LCA%20e6f8ba6c281cf343e6a35e8554625024c981ccc3-ts%3D1449713516"/>
+          <p:cNvPr id="4098" name="Picture 2" descr="https://documents.lucidchart.com/documents/b3e66c5f-ae1e-47ea-858e-34b5761fe794/pages/0_0?a=671&amp;x=92&amp;y=158&amp;w=1056&amp;h=830&amp;store=1&amp;accept=image%2F*&amp;auth=LCA%20a9279e0dc7390666567147535a8c57c336dcbbce-ts%3D1449878899"/>
           <p:cNvPicPr>
             <a:picLocks noChangeAspect="1" noChangeArrowheads="1"/>
           </p:cNvPicPr>
@@ -51331,8 +51809,8 @@
         </p:blipFill>
         <p:spPr bwMode="auto">
           <a:xfrm>
-            <a:off x="987690" y="1690198"/>
-            <a:ext cx="7543800" cy="3648076"/>
+            <a:off x="780845" y="1219200"/>
+            <a:ext cx="7543800" cy="5934075"/>
           </a:xfrm>
           <a:prstGeom prst="rect">
             <a:avLst/>
@@ -51353,6 +51831,205 @@
     <p:extLst>
       <p:ext uri="{BB962C8B-B14F-4D97-AF65-F5344CB8AC3E}">
         <p14:creationId xmlns:p14="http://schemas.microsoft.com/office/powerpoint/2010/main" val="3772505943"/>
+      </p:ext>
+    </p:extLst>
+  </p:cSld>
+  <p:clrMapOvr>
+    <a:masterClrMapping/>
+  </p:clrMapOvr>
+  <p:transition spd="slow">
+    <p:cut/>
+  </p:transition>
+  <p:timing>
+    <p:tnLst>
+      <p:par>
+        <p:cTn id="1" dur="indefinite" restart="never" nodeType="tmRoot"/>
+      </p:par>
+    </p:tnLst>
+  </p:timing>
+</p:sld>
+</file>
+
+<file path=ppt/slides/slide58.xml><?xml version="1.0" encoding="utf-8"?>
+<p:sld xmlns:a="http://schemas.openxmlformats.org/drawingml/2006/main" xmlns:r="http://schemas.openxmlformats.org/officeDocument/2006/relationships" xmlns:p="http://schemas.openxmlformats.org/presentationml/2006/main">
+  <p:cSld>
+    <p:spTree>
+      <p:nvGrpSpPr>
+        <p:cNvPr id="1" name="Shape 1966"/>
+        <p:cNvGrpSpPr/>
+        <p:nvPr/>
+      </p:nvGrpSpPr>
+      <p:grpSpPr>
+        <a:xfrm>
+          <a:off x="0" y="0"/>
+          <a:ext cx="0" cy="0"/>
+          <a:chOff x="0" y="0"/>
+          <a:chExt cx="0" cy="0"/>
+        </a:xfrm>
+      </p:grpSpPr>
+      <p:pic>
+        <p:nvPicPr>
+          <p:cNvPr id="5" name="Picture 4"/>
+          <p:cNvPicPr>
+            <a:picLocks noChangeAspect="1"/>
+          </p:cNvPicPr>
+          <p:nvPr/>
+        </p:nvPicPr>
+        <p:blipFill>
+          <a:blip r:embed="rId3">
+            <a:extLst>
+              <a:ext uri="{28A0092B-C50C-407E-A947-70E740481C1C}">
+                <a14:useLocalDpi xmlns:a14="http://schemas.microsoft.com/office/drawing/2010/main" val="0"/>
+              </a:ext>
+            </a:extLst>
+          </a:blip>
+          <a:stretch>
+            <a:fillRect/>
+          </a:stretch>
+        </p:blipFill>
+        <p:spPr>
+          <a:xfrm>
+            <a:off x="0" y="0"/>
+            <a:ext cx="9144000" cy="6858000"/>
+          </a:xfrm>
+          <a:prstGeom prst="rect">
+            <a:avLst/>
+          </a:prstGeom>
+        </p:spPr>
+      </p:pic>
+      <p:sp>
+        <p:nvSpPr>
+          <p:cNvPr id="1967" name="Shape 1967"/>
+          <p:cNvSpPr txBox="1">
+            <a:spLocks noGrp="1"/>
+          </p:cNvSpPr>
+          <p:nvPr>
+            <p:ph type="title"/>
+          </p:nvPr>
+        </p:nvSpPr>
+        <p:spPr>
+          <a:xfrm>
+            <a:off x="0" y="-1"/>
+            <a:ext cx="9105490" cy="1219201"/>
+          </a:xfrm>
+          <a:prstGeom prst="rect">
+            <a:avLst/>
+          </a:prstGeom>
+        </p:spPr>
+        <p:txBody>
+          <a:bodyPr lIns="91425" tIns="91425" rIns="91425" bIns="91425" anchor="b" anchorCtr="0">
+            <a:noAutofit/>
+          </a:bodyPr>
+          <a:lstStyle/>
+          <a:p>
+            <a:pPr lvl="0">
+              <a:buClr>
+                <a:schemeClr val="dk1"/>
+              </a:buClr>
+              <a:buSzPct val="30555"/>
+            </a:pPr>
+            <a:r>
+              <a:rPr lang="en-US" b="1" kern="0" dirty="0" smtClean="0">
+                <a:solidFill>
+                  <a:srgbClr val="00B050"/>
+                </a:solidFill>
+                <a:cs typeface="Arial"/>
+                <a:sym typeface="Arial"/>
+                <a:rtl val="0"/>
+              </a:rPr>
+              <a:t>Remind Patient</a:t>
+            </a:r>
+            <a:endParaRPr lang="en" dirty="0"/>
+          </a:p>
+        </p:txBody>
+      </p:sp>
+      <p:sp>
+        <p:nvSpPr>
+          <p:cNvPr id="1969" name="Shape 1969"/>
+          <p:cNvSpPr txBox="1">
+            <a:spLocks noGrp="1"/>
+          </p:cNvSpPr>
+          <p:nvPr>
+            <p:ph type="sldNum" idx="12"/>
+          </p:nvPr>
+        </p:nvSpPr>
+        <p:spPr>
+          <a:prstGeom prst="rect">
+            <a:avLst/>
+          </a:prstGeom>
+        </p:spPr>
+        <p:txBody>
+          <a:bodyPr lIns="91425" tIns="91425" rIns="91425" bIns="91425" anchor="ctr" anchorCtr="0">
+            <a:noAutofit/>
+          </a:bodyPr>
+          <a:lstStyle/>
+          <a:p>
+            <a:fld id="{00000000-1234-1234-1234-123412341234}" type="slidenum">
+              <a:rPr lang="en">
+                <a:solidFill>
+                  <a:prstClr val="black">
+                    <a:tint val="75000"/>
+                  </a:prstClr>
+                </a:solidFill>
+              </a:rPr>
+              <a:pPr/>
+              <a:t>58</a:t>
+            </a:fld>
+            <a:endParaRPr lang="en">
+              <a:solidFill>
+                <a:prstClr val="black">
+                  <a:tint val="75000"/>
+                </a:prstClr>
+              </a:solidFill>
+            </a:endParaRPr>
+          </a:p>
+        </p:txBody>
+      </p:sp>
+      <p:pic>
+        <p:nvPicPr>
+          <p:cNvPr id="5122" name="Picture 2" descr="https://documents.lucidchart.com/documents/b3e66c5f-ae1e-47ea-858e-34b5761fe794/pages/0_0?a=673&amp;x=92&amp;y=158&amp;w=1056&amp;h=830&amp;store=1&amp;accept=image%2F*&amp;auth=LCA%20d4afd47efacc8ce2c1c1467f10beb288223e4729-ts%3D1449878899"/>
+          <p:cNvPicPr>
+            <a:picLocks noChangeAspect="1" noChangeArrowheads="1"/>
+          </p:cNvPicPr>
+          <p:nvPr/>
+        </p:nvPicPr>
+        <p:blipFill>
+          <a:blip r:embed="rId4">
+            <a:extLst>
+              <a:ext uri="{28A0092B-C50C-407E-A947-70E740481C1C}">
+                <a14:useLocalDpi xmlns:a14="http://schemas.microsoft.com/office/drawing/2010/main" val="0"/>
+              </a:ext>
+            </a:extLst>
+          </a:blip>
+          <a:srcRect/>
+          <a:stretch>
+            <a:fillRect/>
+          </a:stretch>
+        </p:blipFill>
+        <p:spPr bwMode="auto">
+          <a:xfrm>
+            <a:off x="780845" y="1219200"/>
+            <a:ext cx="7543800" cy="5934075"/>
+          </a:xfrm>
+          <a:prstGeom prst="rect">
+            <a:avLst/>
+          </a:prstGeom>
+          <a:noFill/>
+          <a:extLst>
+            <a:ext uri="{909E8E84-426E-40DD-AFC4-6F175D3DCCD1}">
+              <a14:hiddenFill xmlns:a14="http://schemas.microsoft.com/office/drawing/2010/main">
+                <a:solidFill>
+                  <a:srgbClr val="FFFFFF"/>
+                </a:solidFill>
+              </a14:hiddenFill>
+            </a:ext>
+          </a:extLst>
+        </p:spPr>
+      </p:pic>
+    </p:spTree>
+    <p:extLst>
+      <p:ext uri="{BB962C8B-B14F-4D97-AF65-F5344CB8AC3E}">
+        <p14:creationId xmlns:p14="http://schemas.microsoft.com/office/powerpoint/2010/main" val="1691942566"/>
       </p:ext>
     </p:extLst>
   </p:cSld>

--- a/docs/Temperature Presentation/Khuong/khuong3.pptx
+++ b/docs/Temperature Presentation/Khuong/khuong3.pptx
@@ -51191,7 +51191,7 @@
       </p:sp>
       <p:pic>
         <p:nvPicPr>
-          <p:cNvPr id="1030" name="Picture 6" descr="https://documents.lucidchart.com/documents/b3e66c5f-ae1e-47ea-858e-34b5761fe794/pages/0_0?a=667&amp;x=92&amp;y=158&amp;w=1056&amp;h=830&amp;store=1&amp;accept=image%2F*&amp;auth=LCA%205004249bd86a7cc71d687b902f1f8fd0ba0aa082-ts%3D1449878899"/>
+          <p:cNvPr id="1032" name="Picture 8" descr="https://documents.lucidchart.com/documents/b3e66c5f-ae1e-47ea-858e-34b5761fe794/pages/0_0?a=710&amp;x=92&amp;y=158&amp;w=1056&amp;h=830&amp;store=1&amp;accept=image%2F*&amp;auth=LCA%200123c50c543081bef41daff3845ab8aff393211b-ts%3D1449878899"/>
           <p:cNvPicPr>
             <a:picLocks noChangeAspect="1" noChangeArrowheads="1"/>
           </p:cNvPicPr>
@@ -51212,8 +51212,8 @@
         </p:blipFill>
         <p:spPr bwMode="auto">
           <a:xfrm>
-            <a:off x="780845" y="1216742"/>
-            <a:ext cx="7543800" cy="5934075"/>
+            <a:off x="780845" y="1219200"/>
+            <a:ext cx="7543800" cy="5638633"/>
           </a:xfrm>
           <a:prstGeom prst="rect">
             <a:avLst/>
@@ -51390,7 +51390,7 @@
       </p:sp>
       <p:pic>
         <p:nvPicPr>
-          <p:cNvPr id="2050" name="Picture 2" descr="https://documents.lucidchart.com/documents/b3e66c5f-ae1e-47ea-858e-34b5761fe794/pages/0_0?a=665&amp;x=92&amp;y=158&amp;w=1056&amp;h=830&amp;store=1&amp;accept=image%2F*&amp;auth=LCA%208a2bd9a9cee8dc65ac457b181f0cea7b11b6bf3b-ts%3D1449878899"/>
+          <p:cNvPr id="2052" name="Picture 4" descr="https://documents.lucidchart.com/documents/b3e66c5f-ae1e-47ea-858e-34b5761fe794/pages/0_0?a=698&amp;x=92&amp;y=158&amp;w=1056&amp;h=830&amp;store=1&amp;accept=image%2F*&amp;auth=LCA%207a8e3c96e022a1f11524dcd6b12b67875b304abc-ts%3D1449878899"/>
           <p:cNvPicPr>
             <a:picLocks noChangeAspect="1" noChangeArrowheads="1"/>
           </p:cNvPicPr>
@@ -51412,7 +51412,7 @@
         <p:spPr bwMode="auto">
           <a:xfrm>
             <a:off x="780845" y="1219200"/>
-            <a:ext cx="7543800" cy="5934075"/>
+            <a:ext cx="7543800" cy="5638633"/>
           </a:xfrm>
           <a:prstGeom prst="rect">
             <a:avLst/>
@@ -51589,7 +51589,7 @@
       </p:sp>
       <p:pic>
         <p:nvPicPr>
-          <p:cNvPr id="3074" name="Picture 2" descr="https://documents.lucidchart.com/documents/b3e66c5f-ae1e-47ea-858e-34b5761fe794/pages/0_0?a=669&amp;x=92&amp;y=158&amp;w=1056&amp;h=830&amp;store=1&amp;accept=image%2F*&amp;auth=LCA%205408275b6c07ae35ee5c26605fe1b0e68b2c3afc-ts%3D1449878899"/>
+          <p:cNvPr id="3076" name="Picture 4" descr="https://documents.lucidchart.com/documents/b3e66c5f-ae1e-47ea-858e-34b5761fe794/pages/0_0?a=696&amp;x=92&amp;y=158&amp;w=1056&amp;h=830&amp;store=1&amp;accept=image%2F*&amp;auth=LCA%20c48a1cdbc4260d5490a45cd46fcc72fe99e7cc50-ts%3D1449878899"/>
           <p:cNvPicPr>
             <a:picLocks noChangeAspect="1" noChangeArrowheads="1"/>
           </p:cNvPicPr>
@@ -51611,7 +51611,7 @@
         <p:spPr bwMode="auto">
           <a:xfrm>
             <a:off x="780845" y="1219200"/>
-            <a:ext cx="7543800" cy="5934075"/>
+            <a:ext cx="7543800" cy="5638633"/>
           </a:xfrm>
           <a:prstGeom prst="rect">
             <a:avLst/>
@@ -51788,7 +51788,7 @@
       </p:sp>
       <p:pic>
         <p:nvPicPr>
-          <p:cNvPr id="4098" name="Picture 2" descr="https://documents.lucidchart.com/documents/b3e66c5f-ae1e-47ea-858e-34b5761fe794/pages/0_0?a=671&amp;x=92&amp;y=158&amp;w=1056&amp;h=830&amp;store=1&amp;accept=image%2F*&amp;auth=LCA%20a9279e0dc7390666567147535a8c57c336dcbbce-ts%3D1449878899"/>
+          <p:cNvPr id="4100" name="Picture 4" descr="https://documents.lucidchart.com/documents/b3e66c5f-ae1e-47ea-858e-34b5761fe794/pages/0_0?a=694&amp;x=92&amp;y=158&amp;w=1056&amp;h=830&amp;store=1&amp;accept=image%2F*&amp;auth=LCA%20af2a1dcb92c462bb60cbc500052c3e86a8e09a34-ts%3D1449878899"/>
           <p:cNvPicPr>
             <a:picLocks noChangeAspect="1" noChangeArrowheads="1"/>
           </p:cNvPicPr>
@@ -51810,7 +51810,7 @@
         <p:spPr bwMode="auto">
           <a:xfrm>
             <a:off x="780845" y="1219200"/>
-            <a:ext cx="7543800" cy="5934075"/>
+            <a:ext cx="7543800" cy="5638633"/>
           </a:xfrm>
           <a:prstGeom prst="rect">
             <a:avLst/>
@@ -51987,7 +51987,7 @@
       </p:sp>
       <p:pic>
         <p:nvPicPr>
-          <p:cNvPr id="5122" name="Picture 2" descr="https://documents.lucidchart.com/documents/b3e66c5f-ae1e-47ea-858e-34b5761fe794/pages/0_0?a=673&amp;x=92&amp;y=158&amp;w=1056&amp;h=830&amp;store=1&amp;accept=image%2F*&amp;auth=LCA%20d4afd47efacc8ce2c1c1467f10beb288223e4729-ts%3D1449878899"/>
+          <p:cNvPr id="5128" name="Picture 8" descr="https://documents.lucidchart.com/documents/b3e66c5f-ae1e-47ea-858e-34b5761fe794/pages/0_0?a=692&amp;x=92&amp;y=158&amp;w=1056&amp;h=830&amp;store=1&amp;accept=image%2F*&amp;auth=LCA%2018588a852903ddcd3b1322274f2bde2958617d63-ts%3D1449878899"/>
           <p:cNvPicPr>
             <a:picLocks noChangeAspect="1" noChangeArrowheads="1"/>
           </p:cNvPicPr>
@@ -52009,7 +52009,7 @@
         <p:spPr bwMode="auto">
           <a:xfrm>
             <a:off x="780845" y="1219200"/>
-            <a:ext cx="7543800" cy="5934075"/>
+            <a:ext cx="7543800" cy="5638633"/>
           </a:xfrm>
           <a:prstGeom prst="rect">
             <a:avLst/>
